--- a/ppts/Topic 3 Key Components of (Generalized) Linear Models.pptx
+++ b/ppts/Topic 3 Key Components of (Generalized) Linear Models.pptx
@@ -378,7 +378,7 @@
           <a:p>
             <a:fld id="{F3A5C36C-4AD1-4368-83A4-9559EE6EF9BD}" type="datetimeFigureOut">
               <a:rPr lang="en-CA" smtClean="0"/>
-              <a:t>16/02/2018</a:t>
+              <a:t>19/02/2018</a:t>
             </a:fld>
             <a:endParaRPr lang="en-CA"/>
           </a:p>
@@ -562,7 +562,7 @@
           <a:p>
             <a:fld id="{F3A5C36C-4AD1-4368-83A4-9559EE6EF9BD}" type="datetimeFigureOut">
               <a:rPr lang="en-CA" smtClean="0"/>
-              <a:t>16/02/2018</a:t>
+              <a:t>19/02/2018</a:t>
             </a:fld>
             <a:endParaRPr lang="en-CA"/>
           </a:p>
@@ -752,7 +752,7 @@
           <a:p>
             <a:fld id="{F3A5C36C-4AD1-4368-83A4-9559EE6EF9BD}" type="datetimeFigureOut">
               <a:rPr lang="en-CA" smtClean="0"/>
-              <a:t>16/02/2018</a:t>
+              <a:t>19/02/2018</a:t>
             </a:fld>
             <a:endParaRPr lang="en-CA"/>
           </a:p>
@@ -932,7 +932,7 @@
           <a:p>
             <a:fld id="{F3A5C36C-4AD1-4368-83A4-9559EE6EF9BD}" type="datetimeFigureOut">
               <a:rPr lang="en-CA" smtClean="0"/>
-              <a:t>16/02/2018</a:t>
+              <a:t>19/02/2018</a:t>
             </a:fld>
             <a:endParaRPr lang="en-CA"/>
           </a:p>
@@ -1197,7 +1197,7 @@
           <a:p>
             <a:fld id="{F3A5C36C-4AD1-4368-83A4-9559EE6EF9BD}" type="datetimeFigureOut">
               <a:rPr lang="en-CA" smtClean="0"/>
-              <a:t>16/02/2018</a:t>
+              <a:t>19/02/2018</a:t>
             </a:fld>
             <a:endParaRPr lang="en-CA"/>
           </a:p>
@@ -1479,7 +1479,7 @@
           <a:p>
             <a:fld id="{F3A5C36C-4AD1-4368-83A4-9559EE6EF9BD}" type="datetimeFigureOut">
               <a:rPr lang="en-CA" smtClean="0"/>
-              <a:t>16/02/2018</a:t>
+              <a:t>19/02/2018</a:t>
             </a:fld>
             <a:endParaRPr lang="en-CA"/>
           </a:p>
@@ -1871,7 +1871,7 @@
           <a:p>
             <a:fld id="{F3A5C36C-4AD1-4368-83A4-9559EE6EF9BD}" type="datetimeFigureOut">
               <a:rPr lang="en-CA" smtClean="0"/>
-              <a:t>16/02/2018</a:t>
+              <a:t>19/02/2018</a:t>
             </a:fld>
             <a:endParaRPr lang="en-CA"/>
           </a:p>
@@ -2037,7 +2037,7 @@
           <a:p>
             <a:fld id="{F3A5C36C-4AD1-4368-83A4-9559EE6EF9BD}" type="datetimeFigureOut">
               <a:rPr lang="en-CA" smtClean="0"/>
-              <a:t>16/02/2018</a:t>
+              <a:t>19/02/2018</a:t>
             </a:fld>
             <a:endParaRPr lang="en-CA"/>
           </a:p>
@@ -2144,7 +2144,7 @@
           <a:p>
             <a:fld id="{F3A5C36C-4AD1-4368-83A4-9559EE6EF9BD}" type="datetimeFigureOut">
               <a:rPr lang="en-CA" smtClean="0"/>
-              <a:t>16/02/2018</a:t>
+              <a:t>19/02/2018</a:t>
             </a:fld>
             <a:endParaRPr lang="en-CA"/>
           </a:p>
@@ -2420,7 +2420,7 @@
           <a:p>
             <a:fld id="{F3A5C36C-4AD1-4368-83A4-9559EE6EF9BD}" type="datetimeFigureOut">
               <a:rPr lang="en-CA" smtClean="0"/>
-              <a:t>16/02/2018</a:t>
+              <a:t>19/02/2018</a:t>
             </a:fld>
             <a:endParaRPr lang="en-CA"/>
           </a:p>
@@ -3029,7 +3029,7 @@
           <a:p>
             <a:fld id="{F3A5C36C-4AD1-4368-83A4-9559EE6EF9BD}" type="datetimeFigureOut">
               <a:rPr lang="en-CA" smtClean="0"/>
-              <a:t>16/02/2018</a:t>
+              <a:t>19/02/2018</a:t>
             </a:fld>
             <a:endParaRPr lang="en-CA"/>
           </a:p>
@@ -3565,7 +3565,7 @@
           <a:p>
             <a:fld id="{F3A5C36C-4AD1-4368-83A4-9559EE6EF9BD}" type="datetimeFigureOut">
               <a:rPr lang="en-CA" smtClean="0"/>
-              <a:t>16/02/2018</a:t>
+              <a:t>19/02/2018</a:t>
             </a:fld>
             <a:endParaRPr lang="en-CA"/>
           </a:p>
@@ -4391,7 +4391,7 @@
           </a:prstGeom>
           <a:ln>
             <a:solidFill>
-              <a:schemeClr val="tx1"/>
+              <a:schemeClr val="bg1"/>
             </a:solidFill>
           </a:ln>
         </p:spPr>
@@ -4410,8 +4410,8 @@
         </p:nvSpPr>
         <p:spPr>
           <a:xfrm>
-            <a:off x="5076056" y="5805264"/>
-            <a:ext cx="1101264" cy="369332"/>
+            <a:off x="4635371" y="5661248"/>
+            <a:ext cx="1843774" cy="523220"/>
           </a:xfrm>
           <a:prstGeom prst="rect">
             <a:avLst/>
@@ -4425,7 +4425,7 @@
           <a:lstStyle/>
           <a:p>
             <a:r>
-              <a:rPr lang="en-CA" dirty="0"/>
+              <a:rPr lang="en-CA" sz="2800" b="1" dirty="0"/>
               <a:t>Chapter 6</a:t>
             </a:r>
           </a:p>
@@ -4814,8 +4814,8 @@
           </a:p>
         </p:txBody>
       </p:sp>
-      <mc:AlternateContent xmlns:mc="http://schemas.openxmlformats.org/markup-compatibility/2006">
-        <mc:Choice xmlns:a14="http://schemas.microsoft.com/office/drawing/2010/main" Requires="a14">
+      <mc:AlternateContent xmlns:mc="http://schemas.openxmlformats.org/markup-compatibility/2006" xmlns:a14="http://schemas.microsoft.com/office/drawing/2010/main">
+        <mc:Choice Requires="a14">
           <p:sp>
             <p:nvSpPr>
               <p:cNvPr id="3" name="Content Placeholder 2">
@@ -5024,7 +5024,7 @@
             </p:txBody>
           </p:sp>
         </mc:Choice>
-        <mc:Fallback>
+        <mc:Fallback xmlns="">
           <p:sp>
             <p:nvSpPr>
               <p:cNvPr id="3" name="Content Placeholder 2">
@@ -5425,8 +5425,8 @@
           </a:p>
         </p:txBody>
       </p:sp>
-      <mc:AlternateContent xmlns:mc="http://schemas.openxmlformats.org/markup-compatibility/2006">
-        <mc:Choice xmlns:a14="http://schemas.microsoft.com/office/drawing/2010/main" Requires="a14">
+      <mc:AlternateContent xmlns:mc="http://schemas.openxmlformats.org/markup-compatibility/2006" xmlns:a14="http://schemas.microsoft.com/office/drawing/2010/main">
+        <mc:Choice Requires="a14">
           <p:sp>
             <p:nvSpPr>
               <p:cNvPr id="3" name="Content Placeholder 2">
@@ -5573,7 +5573,7 @@
             </p:txBody>
           </p:sp>
         </mc:Choice>
-        <mc:Fallback>
+        <mc:Fallback xmlns="">
           <p:sp>
             <p:nvSpPr>
               <p:cNvPr id="3" name="Content Placeholder 2">
@@ -6314,7 +6314,10 @@
           <a:bodyPr/>
           <a:lstStyle/>
           <a:p>
-            <a:endParaRPr lang="en-CA"/>
+            <a:r>
+              <a:rPr lang="en-CA" b="1" dirty="0"/>
+              <a:t>Linear model key components</a:t>
+            </a:r>
           </a:p>
         </p:txBody>
       </p:sp>
@@ -6351,7 +6354,7 @@
               <a:buNone/>
             </a:pPr>
             <a:r>
-              <a:rPr lang="en-CA" b="1" dirty="0">
+              <a:rPr lang="en-CA" sz="2800" b="1" dirty="0">
                 <a:solidFill>
                   <a:srgbClr val="FF0000"/>
                 </a:solidFill>
@@ -6366,18 +6369,12 @@
             <a:endParaRPr lang="en-CA" dirty="0"/>
           </a:p>
           <a:p>
-            <a:pPr marL="0" indent="0">
-              <a:buNone/>
-            </a:pPr>
             <a:r>
               <a:rPr lang="en-CA" dirty="0"/>
               <a:t>deterministic also called systemic part</a:t>
             </a:r>
           </a:p>
           <a:p>
-            <a:pPr marL="0" indent="0">
-              <a:buNone/>
-            </a:pPr>
             <a:r>
               <a:rPr lang="en-CA" dirty="0"/>
               <a:t>stochastic also called random part</a:t>
@@ -6987,8 +6984,8 @@
           </a:p>
         </p:txBody>
       </p:sp>
-      <mc:AlternateContent xmlns:mc="http://schemas.openxmlformats.org/markup-compatibility/2006">
-        <mc:Choice xmlns:a14="http://schemas.microsoft.com/office/drawing/2010/main" Requires="a14">
+      <mc:AlternateContent xmlns:mc="http://schemas.openxmlformats.org/markup-compatibility/2006" xmlns:a14="http://schemas.microsoft.com/office/drawing/2010/main">
+        <mc:Choice Requires="a14">
           <p:sp>
             <p:nvSpPr>
               <p:cNvPr id="3" name="Content Placeholder 2">
@@ -7403,7 +7400,7 @@
             </p:txBody>
           </p:sp>
         </mc:Choice>
-        <mc:Fallback>
+        <mc:Fallback xmlns="">
           <p:sp>
             <p:nvSpPr>
               <p:cNvPr id="3" name="Content Placeholder 2">
@@ -9974,8 +9971,8 @@
           </a:p>
         </p:txBody>
       </p:sp>
-      <mc:AlternateContent xmlns:mc="http://schemas.openxmlformats.org/markup-compatibility/2006">
-        <mc:Choice xmlns:a14="http://schemas.microsoft.com/office/drawing/2010/main" Requires="a14">
+      <mc:AlternateContent xmlns:mc="http://schemas.openxmlformats.org/markup-compatibility/2006" xmlns:a14="http://schemas.microsoft.com/office/drawing/2010/main">
+        <mc:Choice Requires="a14">
           <p:sp>
             <p:nvSpPr>
               <p:cNvPr id="3" name="Content Placeholder 2">
@@ -10406,7 +10403,7 @@
             </p:txBody>
           </p:sp>
         </mc:Choice>
-        <mc:Fallback>
+        <mc:Fallback xmlns="">
           <p:sp>
             <p:nvSpPr>
               <p:cNvPr id="3" name="Content Placeholder 2">
@@ -11306,8 +11303,8 @@
           </a:p>
         </p:txBody>
       </p:sp>
-      <mc:AlternateContent xmlns:mc="http://schemas.openxmlformats.org/markup-compatibility/2006">
-        <mc:Choice xmlns:a14="http://schemas.microsoft.com/office/drawing/2010/main" Requires="a14">
+      <mc:AlternateContent xmlns:mc="http://schemas.openxmlformats.org/markup-compatibility/2006" xmlns:a14="http://schemas.microsoft.com/office/drawing/2010/main">
+        <mc:Choice Requires="a14">
           <p:sp>
             <p:nvSpPr>
               <p:cNvPr id="3" name="Content Placeholder 2">
@@ -11734,7 +11731,7 @@
             </p:txBody>
           </p:sp>
         </mc:Choice>
-        <mc:Fallback>
+        <mc:Fallback xmlns="">
           <p:sp>
             <p:nvSpPr>
               <p:cNvPr id="3" name="Content Placeholder 2">
@@ -12382,8 +12379,8 @@
           </a:p>
         </p:txBody>
       </p:sp>
-      <mc:AlternateContent xmlns:mc="http://schemas.openxmlformats.org/markup-compatibility/2006">
-        <mc:Choice xmlns:a14="http://schemas.microsoft.com/office/drawing/2010/main" Requires="a14">
+      <mc:AlternateContent xmlns:mc="http://schemas.openxmlformats.org/markup-compatibility/2006" xmlns:a14="http://schemas.microsoft.com/office/drawing/2010/main">
+        <mc:Choice Requires="a14">
           <p:sp>
             <p:nvSpPr>
               <p:cNvPr id="3" name="Content Placeholder 2">
@@ -12854,7 +12851,7 @@
             </p:txBody>
           </p:sp>
         </mc:Choice>
-        <mc:Fallback>
+        <mc:Fallback xmlns="">
           <p:sp>
             <p:nvSpPr>
               <p:cNvPr id="3" name="Content Placeholder 2">
@@ -13712,8 +13709,8 @@
           </a:p>
         </p:txBody>
       </p:sp>
-      <mc:AlternateContent xmlns:mc="http://schemas.openxmlformats.org/markup-compatibility/2006">
-        <mc:Choice xmlns:a14="http://schemas.microsoft.com/office/drawing/2010/main" Requires="a14">
+      <mc:AlternateContent xmlns:mc="http://schemas.openxmlformats.org/markup-compatibility/2006" xmlns:a14="http://schemas.microsoft.com/office/drawing/2010/main">
+        <mc:Choice Requires="a14">
           <p:sp>
             <p:nvSpPr>
               <p:cNvPr id="3" name="Content Placeholder 2">
@@ -14329,7 +14326,7 @@
             </p:txBody>
           </p:sp>
         </mc:Choice>
-        <mc:Fallback>
+        <mc:Fallback xmlns="">
           <p:sp>
             <p:nvSpPr>
               <p:cNvPr id="3" name="Content Placeholder 2">
@@ -15616,8 +15613,8 @@
           </a:p>
         </p:txBody>
       </p:sp>
-      <mc:AlternateContent xmlns:mc="http://schemas.openxmlformats.org/markup-compatibility/2006">
-        <mc:Choice xmlns:a14="http://schemas.microsoft.com/office/drawing/2010/main" Requires="a14">
+      <mc:AlternateContent xmlns:mc="http://schemas.openxmlformats.org/markup-compatibility/2006" xmlns:a14="http://schemas.microsoft.com/office/drawing/2010/main">
+        <mc:Choice Requires="a14">
           <p:sp>
             <p:nvSpPr>
               <p:cNvPr id="3" name="Content Placeholder 2">
@@ -16183,7 +16180,7 @@
             </p:txBody>
           </p:sp>
         </mc:Choice>
-        <mc:Fallback>
+        <mc:Fallback xmlns="">
           <p:sp>
             <p:nvSpPr>
               <p:cNvPr id="3" name="Content Placeholder 2">
@@ -17406,8 +17403,8 @@
           </a:p>
         </p:txBody>
       </p:sp>
-      <mc:AlternateContent xmlns:mc="http://schemas.openxmlformats.org/markup-compatibility/2006">
-        <mc:Choice xmlns:a14="http://schemas.microsoft.com/office/drawing/2010/main" Requires="a14">
+      <mc:AlternateContent xmlns:mc="http://schemas.openxmlformats.org/markup-compatibility/2006" xmlns:a14="http://schemas.microsoft.com/office/drawing/2010/main">
+        <mc:Choice Requires="a14">
           <p:sp>
             <p:nvSpPr>
               <p:cNvPr id="3" name="Content Placeholder 2">
@@ -18145,7 +18142,7 @@
             </p:txBody>
           </p:sp>
         </mc:Choice>
-        <mc:Fallback>
+        <mc:Fallback xmlns="">
           <p:sp>
             <p:nvSpPr>
               <p:cNvPr id="3" name="Content Placeholder 2">
@@ -20053,8 +20050,8 @@
           </a:p>
         </p:txBody>
       </p:sp>
-      <mc:AlternateContent xmlns:mc="http://schemas.openxmlformats.org/markup-compatibility/2006">
-        <mc:Choice xmlns:a14="http://schemas.microsoft.com/office/drawing/2010/main" Requires="a14">
+      <mc:AlternateContent xmlns:mc="http://schemas.openxmlformats.org/markup-compatibility/2006" xmlns:a14="http://schemas.microsoft.com/office/drawing/2010/main">
+        <mc:Choice Requires="a14">
           <p:sp>
             <p:nvSpPr>
               <p:cNvPr id="3" name="Content Placeholder 2">
@@ -20198,7 +20195,7 @@
             </p:txBody>
           </p:sp>
         </mc:Choice>
-        <mc:Fallback>
+        <mc:Fallback xmlns="">
           <p:sp>
             <p:nvSpPr>
               <p:cNvPr id="3" name="Content Placeholder 2">

--- a/ppts/Topic 3 Key Components of (Generalized) Linear Models.pptx
+++ b/ppts/Topic 3 Key Components of (Generalized) Linear Models.pptx
@@ -4477,13 +4477,18 @@
             <p:ph type="title"/>
           </p:nvPr>
         </p:nvSpPr>
-        <p:spPr/>
+        <p:spPr>
+          <a:xfrm>
+            <a:off x="457200" y="476672"/>
+            <a:ext cx="8229600" cy="1143000"/>
+          </a:xfrm>
+        </p:spPr>
         <p:txBody>
           <a:bodyPr/>
           <a:lstStyle/>
           <a:p>
             <a:r>
-              <a:rPr lang="en-CA" dirty="0"/>
+              <a:rPr lang="en-CA" b="1" dirty="0"/>
               <a:t>Continuous uniform distribution</a:t>
             </a:r>
           </a:p>
@@ -4505,7 +4510,12 @@
             <p:ph idx="1"/>
           </p:nvPr>
         </p:nvSpPr>
-        <p:spPr/>
+        <p:spPr>
+          <a:xfrm>
+            <a:off x="457200" y="1628800"/>
+            <a:ext cx="8229600" cy="4389437"/>
+          </a:xfrm>
+        </p:spPr>
         <p:txBody>
           <a:bodyPr>
             <a:normAutofit/>
@@ -4691,10 +4701,10 @@
           <a:lstStyle/>
           <a:p>
             <a:r>
-              <a:rPr lang="en-US" dirty="0"/>
+              <a:rPr lang="en-US" b="1" dirty="0"/>
               <a:t>Binomial Distribution: The “Coin-Flip Distribution”</a:t>
             </a:r>
-            <a:endParaRPr lang="en-CA" dirty="0"/>
+            <a:endParaRPr lang="en-CA" b="1" dirty="0"/>
           </a:p>
         </p:txBody>
       </p:sp>
@@ -4763,6 +4773,186 @@
   <p:clrMapOvr>
     <a:masterClrMapping/>
   </p:clrMapOvr>
+  <p:timing>
+    <p:tnLst>
+      <p:par>
+        <p:cTn id="1" dur="indefinite" restart="never" nodeType="tmRoot">
+          <p:childTnLst>
+            <p:seq concurrent="1" nextAc="seek">
+              <p:cTn id="2" dur="indefinite" nodeType="mainSeq">
+                <p:childTnLst>
+                  <p:par>
+                    <p:cTn id="3" fill="hold">
+                      <p:stCondLst>
+                        <p:cond delay="indefinite"/>
+                      </p:stCondLst>
+                      <p:childTnLst>
+                        <p:par>
+                          <p:cTn id="4" fill="hold">
+                            <p:stCondLst>
+                              <p:cond delay="0"/>
+                            </p:stCondLst>
+                            <p:childTnLst>
+                              <p:par>
+                                <p:cTn id="5" presetID="1" presetClass="entr" presetSubtype="0" fill="hold" grpId="0" nodeType="clickEffect">
+                                  <p:stCondLst>
+                                    <p:cond delay="0"/>
+                                  </p:stCondLst>
+                                  <p:childTnLst>
+                                    <p:set>
+                                      <p:cBhvr>
+                                        <p:cTn id="6" dur="1" fill="hold">
+                                          <p:stCondLst>
+                                            <p:cond delay="0"/>
+                                          </p:stCondLst>
+                                        </p:cTn>
+                                        <p:tgtEl>
+                                          <p:spTgt spid="3">
+                                            <p:txEl>
+                                              <p:pRg st="0" end="0"/>
+                                            </p:txEl>
+                                          </p:spTgt>
+                                        </p:tgtEl>
+                                        <p:attrNameLst>
+                                          <p:attrName>style.visibility</p:attrName>
+                                        </p:attrNameLst>
+                                      </p:cBhvr>
+                                      <p:to>
+                                        <p:strVal val="visible"/>
+                                      </p:to>
+                                    </p:set>
+                                  </p:childTnLst>
+                                </p:cTn>
+                              </p:par>
+                            </p:childTnLst>
+                          </p:cTn>
+                        </p:par>
+                      </p:childTnLst>
+                    </p:cTn>
+                  </p:par>
+                  <p:par>
+                    <p:cTn id="7" fill="hold">
+                      <p:stCondLst>
+                        <p:cond delay="indefinite"/>
+                      </p:stCondLst>
+                      <p:childTnLst>
+                        <p:par>
+                          <p:cTn id="8" fill="hold">
+                            <p:stCondLst>
+                              <p:cond delay="0"/>
+                            </p:stCondLst>
+                            <p:childTnLst>
+                              <p:par>
+                                <p:cTn id="9" presetID="1" presetClass="entr" presetSubtype="0" fill="hold" grpId="0" nodeType="clickEffect">
+                                  <p:stCondLst>
+                                    <p:cond delay="0"/>
+                                  </p:stCondLst>
+                                  <p:childTnLst>
+                                    <p:set>
+                                      <p:cBhvr>
+                                        <p:cTn id="10" dur="1" fill="hold">
+                                          <p:stCondLst>
+                                            <p:cond delay="0"/>
+                                          </p:stCondLst>
+                                        </p:cTn>
+                                        <p:tgtEl>
+                                          <p:spTgt spid="3">
+                                            <p:txEl>
+                                              <p:pRg st="1" end="1"/>
+                                            </p:txEl>
+                                          </p:spTgt>
+                                        </p:tgtEl>
+                                        <p:attrNameLst>
+                                          <p:attrName>style.visibility</p:attrName>
+                                        </p:attrNameLst>
+                                      </p:cBhvr>
+                                      <p:to>
+                                        <p:strVal val="visible"/>
+                                      </p:to>
+                                    </p:set>
+                                  </p:childTnLst>
+                                </p:cTn>
+                              </p:par>
+                            </p:childTnLst>
+                          </p:cTn>
+                        </p:par>
+                      </p:childTnLst>
+                    </p:cTn>
+                  </p:par>
+                  <p:par>
+                    <p:cTn id="11" fill="hold">
+                      <p:stCondLst>
+                        <p:cond delay="indefinite"/>
+                      </p:stCondLst>
+                      <p:childTnLst>
+                        <p:par>
+                          <p:cTn id="12" fill="hold">
+                            <p:stCondLst>
+                              <p:cond delay="0"/>
+                            </p:stCondLst>
+                            <p:childTnLst>
+                              <p:par>
+                                <p:cTn id="13" presetID="1" presetClass="entr" presetSubtype="0" fill="hold" grpId="0" nodeType="clickEffect">
+                                  <p:stCondLst>
+                                    <p:cond delay="0"/>
+                                  </p:stCondLst>
+                                  <p:childTnLst>
+                                    <p:set>
+                                      <p:cBhvr>
+                                        <p:cTn id="14" dur="1" fill="hold">
+                                          <p:stCondLst>
+                                            <p:cond delay="0"/>
+                                          </p:stCondLst>
+                                        </p:cTn>
+                                        <p:tgtEl>
+                                          <p:spTgt spid="3">
+                                            <p:txEl>
+                                              <p:pRg st="2" end="2"/>
+                                            </p:txEl>
+                                          </p:spTgt>
+                                        </p:tgtEl>
+                                        <p:attrNameLst>
+                                          <p:attrName>style.visibility</p:attrName>
+                                        </p:attrNameLst>
+                                      </p:cBhvr>
+                                      <p:to>
+                                        <p:strVal val="visible"/>
+                                      </p:to>
+                                    </p:set>
+                                  </p:childTnLst>
+                                </p:cTn>
+                              </p:par>
+                            </p:childTnLst>
+                          </p:cTn>
+                        </p:par>
+                      </p:childTnLst>
+                    </p:cTn>
+                  </p:par>
+                </p:childTnLst>
+              </p:cTn>
+              <p:prevCondLst>
+                <p:cond evt="onPrev" delay="0">
+                  <p:tgtEl>
+                    <p:sldTgt/>
+                  </p:tgtEl>
+                </p:cond>
+              </p:prevCondLst>
+              <p:nextCondLst>
+                <p:cond evt="onNext" delay="0">
+                  <p:tgtEl>
+                    <p:sldTgt/>
+                  </p:tgtEl>
+                </p:cond>
+              </p:nextCondLst>
+            </p:seq>
+          </p:childTnLst>
+        </p:cTn>
+      </p:par>
+    </p:tnLst>
+    <p:bldLst>
+      <p:bldP spid="3" grpId="0" build="p"/>
+    </p:bldLst>
+  </p:timing>
 </p:sld>
 </file>
 
@@ -4807,15 +4997,15 @@
           <a:lstStyle/>
           <a:p>
             <a:r>
-              <a:rPr lang="en-US" dirty="0"/>
+              <a:rPr lang="en-US" b="1" dirty="0"/>
               <a:t>Binomial Distribution: The “Coin-Flip Distribution”</a:t>
             </a:r>
-            <a:endParaRPr lang="en-CA" dirty="0"/>
+            <a:endParaRPr lang="en-CA" b="1" dirty="0"/>
           </a:p>
         </p:txBody>
       </p:sp>
-      <mc:AlternateContent xmlns:mc="http://schemas.openxmlformats.org/markup-compatibility/2006" xmlns:a14="http://schemas.microsoft.com/office/drawing/2010/main">
-        <mc:Choice Requires="a14">
+      <mc:AlternateContent xmlns:mc="http://schemas.openxmlformats.org/markup-compatibility/2006">
+        <mc:Choice xmlns:a14="http://schemas.microsoft.com/office/drawing/2010/main" Requires="a14">
           <p:sp>
             <p:nvSpPr>
               <p:cNvPr id="3" name="Content Placeholder 2">
@@ -4915,7 +5105,7 @@
                 </a14:m>
                 <a:r>
                   <a:rPr lang="en-CA" b="1" dirty="0"/>
-                  <a:t>	mean</a:t>
+                  <a:t>	            mean</a:t>
                 </a:r>
               </a:p>
               <a:p>
@@ -5024,7 +5214,7 @@
             </p:txBody>
           </p:sp>
         </mc:Choice>
-        <mc:Fallback xmlns="">
+        <mc:Fallback>
           <p:sp>
             <p:nvSpPr>
               <p:cNvPr id="3" name="Content Placeholder 2">
@@ -5118,10 +5308,10 @@
           <a:lstStyle/>
           <a:p>
             <a:r>
-              <a:rPr lang="en-US" dirty="0"/>
+              <a:rPr lang="en-US" b="1" dirty="0"/>
               <a:t>Binomial Distribution: The “Coin-Flip Distribution”</a:t>
             </a:r>
-            <a:endParaRPr lang="en-CA" dirty="0"/>
+            <a:endParaRPr lang="en-CA" b="1" dirty="0"/>
           </a:p>
         </p:txBody>
       </p:sp>
@@ -5252,7 +5442,7 @@
         </p:blipFill>
         <p:spPr>
           <a:xfrm>
-            <a:off x="3203848" y="3212976"/>
+            <a:off x="3203848" y="3429000"/>
             <a:ext cx="5148064" cy="3299051"/>
           </a:xfrm>
           <a:prstGeom prst="rect">
@@ -5317,7 +5507,7 @@
           <a:lstStyle/>
           <a:p>
             <a:r>
-              <a:rPr lang="en-CA" dirty="0"/>
+              <a:rPr lang="en-CA" b="1" dirty="0"/>
               <a:t>Poisson Distribution</a:t>
             </a:r>
           </a:p>
@@ -5377,6 +5567,137 @@
   <p:clrMapOvr>
     <a:masterClrMapping/>
   </p:clrMapOvr>
+  <p:timing>
+    <p:tnLst>
+      <p:par>
+        <p:cTn id="1" dur="indefinite" restart="never" nodeType="tmRoot">
+          <p:childTnLst>
+            <p:seq concurrent="1" nextAc="seek">
+              <p:cTn id="2" dur="indefinite" nodeType="mainSeq">
+                <p:childTnLst>
+                  <p:par>
+                    <p:cTn id="3" fill="hold">
+                      <p:stCondLst>
+                        <p:cond delay="indefinite"/>
+                      </p:stCondLst>
+                      <p:childTnLst>
+                        <p:par>
+                          <p:cTn id="4" fill="hold">
+                            <p:stCondLst>
+                              <p:cond delay="0"/>
+                            </p:stCondLst>
+                            <p:childTnLst>
+                              <p:par>
+                                <p:cTn id="5" presetID="1" presetClass="entr" presetSubtype="0" fill="hold" grpId="0" nodeType="clickEffect">
+                                  <p:stCondLst>
+                                    <p:cond delay="0"/>
+                                  </p:stCondLst>
+                                  <p:childTnLst>
+                                    <p:set>
+                                      <p:cBhvr>
+                                        <p:cTn id="6" dur="1" fill="hold">
+                                          <p:stCondLst>
+                                            <p:cond delay="0"/>
+                                          </p:stCondLst>
+                                        </p:cTn>
+                                        <p:tgtEl>
+                                          <p:spTgt spid="3">
+                                            <p:txEl>
+                                              <p:pRg st="0" end="0"/>
+                                            </p:txEl>
+                                          </p:spTgt>
+                                        </p:tgtEl>
+                                        <p:attrNameLst>
+                                          <p:attrName>style.visibility</p:attrName>
+                                        </p:attrNameLst>
+                                      </p:cBhvr>
+                                      <p:to>
+                                        <p:strVal val="visible"/>
+                                      </p:to>
+                                    </p:set>
+                                  </p:childTnLst>
+                                </p:cTn>
+                              </p:par>
+                            </p:childTnLst>
+                          </p:cTn>
+                        </p:par>
+                      </p:childTnLst>
+                    </p:cTn>
+                  </p:par>
+                  <p:par>
+                    <p:cTn id="7" fill="hold">
+                      <p:stCondLst>
+                        <p:cond delay="indefinite"/>
+                      </p:stCondLst>
+                      <p:childTnLst>
+                        <p:par>
+                          <p:cTn id="8" fill="hold">
+                            <p:stCondLst>
+                              <p:cond delay="0"/>
+                            </p:stCondLst>
+                            <p:childTnLst>
+                              <p:par>
+                                <p:cTn id="9" presetID="1" presetClass="entr" presetSubtype="0" fill="hold" grpId="0" nodeType="clickEffect">
+                                  <p:stCondLst>
+                                    <p:cond delay="0"/>
+                                  </p:stCondLst>
+                                  <p:childTnLst>
+                                    <p:set>
+                                      <p:cBhvr>
+                                        <p:cTn id="10" dur="1" fill="hold">
+                                          <p:stCondLst>
+                                            <p:cond delay="0"/>
+                                          </p:stCondLst>
+                                        </p:cTn>
+                                        <p:tgtEl>
+                                          <p:spTgt spid="3">
+                                            <p:txEl>
+                                              <p:pRg st="1" end="1"/>
+                                            </p:txEl>
+                                          </p:spTgt>
+                                        </p:tgtEl>
+                                        <p:attrNameLst>
+                                          <p:attrName>style.visibility</p:attrName>
+                                        </p:attrNameLst>
+                                      </p:cBhvr>
+                                      <p:to>
+                                        <p:strVal val="visible"/>
+                                      </p:to>
+                                    </p:set>
+                                  </p:childTnLst>
+                                </p:cTn>
+                              </p:par>
+                            </p:childTnLst>
+                          </p:cTn>
+                        </p:par>
+                      </p:childTnLst>
+                    </p:cTn>
+                  </p:par>
+                </p:childTnLst>
+              </p:cTn>
+              <p:prevCondLst>
+                <p:cond evt="onPrev" delay="0">
+                  <p:tgtEl>
+                    <p:sldTgt/>
+                  </p:tgtEl>
+                </p:cond>
+              </p:prevCondLst>
+              <p:nextCondLst>
+                <p:cond evt="onNext" delay="0">
+                  <p:tgtEl>
+                    <p:sldTgt/>
+                  </p:tgtEl>
+                </p:cond>
+              </p:nextCondLst>
+            </p:seq>
+          </p:childTnLst>
+        </p:cTn>
+      </p:par>
+    </p:tnLst>
+    <p:bldLst>
+      <p:bldP spid="3" grpId="0" build="p"/>
+    </p:bldLst>
+  </p:timing>
 </p:sld>
 </file>
 
@@ -5419,14 +5740,14 @@
           <a:lstStyle/>
           <a:p>
             <a:r>
-              <a:rPr lang="en-CA" dirty="0"/>
+              <a:rPr lang="en-CA" b="1" dirty="0"/>
               <a:t>Poisson Distribution</a:t>
             </a:r>
           </a:p>
         </p:txBody>
       </p:sp>
-      <mc:AlternateContent xmlns:mc="http://schemas.openxmlformats.org/markup-compatibility/2006" xmlns:a14="http://schemas.microsoft.com/office/drawing/2010/main">
-        <mc:Choice Requires="a14">
+      <mc:AlternateContent xmlns:mc="http://schemas.openxmlformats.org/markup-compatibility/2006">
+        <mc:Choice xmlns:a14="http://schemas.microsoft.com/office/drawing/2010/main" Requires="a14">
           <p:sp>
             <p:nvSpPr>
               <p:cNvPr id="3" name="Content Placeholder 2">
@@ -5543,6 +5864,12 @@
                         </m:r>
                       </m:e>
                     </m:d>
+                    <m:r>
+                      <a:rPr lang="en-CA" b="1" i="1" smtClean="0">
+                        <a:latin typeface="Cambria Math" panose="02040503050406030204" pitchFamily="18" charset="0"/>
+                      </a:rPr>
+                      <m:t>= </m:t>
+                    </m:r>
                     <m:rad>
                       <m:radPr>
                         <m:degHide m:val="on"/>
@@ -5573,7 +5900,7 @@
             </p:txBody>
           </p:sp>
         </mc:Choice>
-        <mc:Fallback xmlns="">
+        <mc:Fallback>
           <p:sp>
             <p:nvSpPr>
               <p:cNvPr id="3" name="Content Placeholder 2">
@@ -5665,7 +5992,7 @@
           <a:lstStyle/>
           <a:p>
             <a:r>
-              <a:rPr lang="en-CA" dirty="0"/>
+              <a:rPr lang="en-CA" b="1" dirty="0"/>
               <a:t>Poisson Distribution</a:t>
             </a:r>
           </a:p>
@@ -5855,8 +6182,8 @@
         </p:blipFill>
         <p:spPr>
           <a:xfrm>
-            <a:off x="4355976" y="2420888"/>
-            <a:ext cx="4613777" cy="3933056"/>
+            <a:off x="4588251" y="2780928"/>
+            <a:ext cx="4410412" cy="3759696"/>
           </a:xfrm>
           <a:prstGeom prst="rect">
             <a:avLst/>
@@ -5914,7 +6241,12 @@
             <p:ph type="title"/>
           </p:nvPr>
         </p:nvSpPr>
-        <p:spPr/>
+        <p:spPr>
+          <a:xfrm>
+            <a:off x="457200" y="1910655"/>
+            <a:ext cx="8229600" cy="1143000"/>
+          </a:xfrm>
+        </p:spPr>
         <p:txBody>
           <a:bodyPr>
             <a:normAutofit fontScale="90000"/>
@@ -5944,7 +6276,12 @@
             <p:ph idx="1"/>
           </p:nvPr>
         </p:nvSpPr>
-        <p:spPr/>
+        <p:spPr>
+          <a:xfrm>
+            <a:off x="457200" y="3140968"/>
+            <a:ext cx="8229600" cy="2285925"/>
+          </a:xfrm>
+        </p:spPr>
         <p:txBody>
           <a:bodyPr/>
           <a:lstStyle/>
@@ -6012,7 +6349,7 @@
           <a:lstStyle/>
           <a:p>
             <a:r>
-              <a:rPr lang="en-CA" dirty="0"/>
+              <a:rPr lang="en-CA" b="1" dirty="0"/>
               <a:t>Design matrix</a:t>
             </a:r>
           </a:p>
@@ -6120,13 +6457,18 @@
             <p:ph type="title"/>
           </p:nvPr>
         </p:nvSpPr>
-        <p:spPr/>
+        <p:spPr>
+          <a:xfrm>
+            <a:off x="463207" y="0"/>
+            <a:ext cx="8229600" cy="1143000"/>
+          </a:xfrm>
+        </p:spPr>
         <p:txBody>
           <a:bodyPr/>
           <a:lstStyle/>
           <a:p>
             <a:r>
-              <a:rPr lang="en-CA" dirty="0"/>
+              <a:rPr lang="en-CA" b="1" dirty="0"/>
               <a:t>Design matrix example</a:t>
             </a:r>
           </a:p>
@@ -6150,7 +6492,7 @@
         </p:nvSpPr>
         <p:spPr>
           <a:xfrm>
-            <a:off x="451519" y="1166018"/>
+            <a:off x="463207" y="1166018"/>
             <a:ext cx="8229600" cy="4525963"/>
           </a:xfrm>
         </p:spPr>
@@ -6440,7 +6782,7 @@
           <a:lstStyle/>
           <a:p>
             <a:r>
-              <a:rPr lang="en-CA" dirty="0"/>
+              <a:rPr lang="en-CA" b="1" dirty="0"/>
               <a:t>Example: model of the mean</a:t>
             </a:r>
           </a:p>
@@ -6860,7 +7202,7 @@
           <a:lstStyle/>
           <a:p>
             <a:r>
-              <a:rPr lang="en-CA" dirty="0"/>
+              <a:rPr lang="en-CA" b="1" dirty="0"/>
               <a:t>Example: model of the mean</a:t>
             </a:r>
           </a:p>
@@ -6978,7 +7320,7 @@
           <a:lstStyle/>
           <a:p>
             <a:r>
-              <a:rPr lang="en-CA" dirty="0"/>
+              <a:rPr lang="en-CA" b="1" dirty="0"/>
               <a:t>Example: t-Test</a:t>
             </a:r>
           </a:p>
@@ -7486,13 +7828,18 @@
             <p:ph type="title"/>
           </p:nvPr>
         </p:nvSpPr>
-        <p:spPr/>
+        <p:spPr>
+          <a:xfrm>
+            <a:off x="457200" y="301328"/>
+            <a:ext cx="8229600" cy="1143000"/>
+          </a:xfrm>
+        </p:spPr>
         <p:txBody>
           <a:bodyPr/>
           <a:lstStyle/>
           <a:p>
             <a:r>
-              <a:rPr lang="en-CA" dirty="0"/>
+              <a:rPr lang="en-CA" b="1" dirty="0"/>
               <a:t>Example: t-Test</a:t>
             </a:r>
           </a:p>
@@ -7687,13 +8034,18 @@
             <p:ph type="title"/>
           </p:nvPr>
         </p:nvSpPr>
-        <p:spPr/>
+        <p:spPr>
+          <a:xfrm>
+            <a:off x="457200" y="189046"/>
+            <a:ext cx="8229600" cy="1143000"/>
+          </a:xfrm>
+        </p:spPr>
         <p:txBody>
           <a:bodyPr/>
           <a:lstStyle/>
           <a:p>
             <a:r>
-              <a:rPr lang="en-CA" dirty="0"/>
+              <a:rPr lang="en-CA" b="1" dirty="0"/>
               <a:t>Example: t-Test</a:t>
             </a:r>
           </a:p>
@@ -7771,8 +8123,8 @@
           </a:ln>
         </p:spPr>
       </p:pic>
-      <mc:AlternateContent xmlns:mc="http://schemas.openxmlformats.org/markup-compatibility/2006" xmlns:a14="http://schemas.microsoft.com/office/drawing/2010/main">
-        <mc:Choice Requires="a14">
+      <mc:AlternateContent xmlns:mc="http://schemas.openxmlformats.org/markup-compatibility/2006">
+        <mc:Choice xmlns:a14="http://schemas.microsoft.com/office/drawing/2010/main" Requires="a14">
           <p:sp>
             <p:nvSpPr>
               <p:cNvPr id="7" name="TextBox 6">
@@ -7802,23 +8154,23 @@
               <a:lstStyle/>
               <a:p>
                 <a:r>
-                  <a:rPr lang="en-CA" dirty="0"/>
+                  <a:rPr lang="en-CA" dirty="0">
+                    <a:latin typeface="+mj-lt"/>
+                  </a:rPr>
                   <a:t>To get a </a:t>
                 </a:r>
                 <a:r>
-                  <a:rPr lang="en-US" dirty="0"/>
-                  <a:t>solution for this system of equations, i.e., to obtain values for the</a:t>
+                  <a:rPr lang="en-US" dirty="0">
+                    <a:latin typeface="+mj-lt"/>
+                  </a:rPr>
+                  <a:t>solution for this system of equations, i.e., to obtain values for the unknowns α and β that are “good” in some way, we need to define</a:t>
                 </a:r>
               </a:p>
               <a:p>
                 <a:r>
-                  <a:rPr lang="en-US" dirty="0"/>
-                  <a:t>unknowns α and β that are “good” in some way, we need to define</a:t>
-                </a:r>
-              </a:p>
-              <a:p>
-                <a:r>
-                  <a:rPr lang="en-US" dirty="0"/>
+                  <a:rPr lang="en-US" dirty="0">
+                    <a:latin typeface="+mj-lt"/>
+                  </a:rPr>
                   <a:t>some criterion for dealing with the residuals </a:t>
                 </a:r>
                 <a14:m>
@@ -7827,14 +8179,14 @@
                       <m:sSubPr>
                         <m:ctrlPr>
                           <a:rPr lang="en-US" i="1" dirty="0" smtClean="0">
-                            <a:latin typeface="Cambria Math" panose="02040503050406030204" pitchFamily="18" charset="0"/>
+                            <a:latin typeface="+mj-lt"/>
                           </a:rPr>
                         </m:ctrlPr>
                       </m:sSubPr>
                       <m:e>
                         <m:r>
                           <a:rPr lang="en-US" i="1" dirty="0">
-                            <a:latin typeface="Cambria Math" panose="02040503050406030204" pitchFamily="18" charset="0"/>
+                            <a:latin typeface="+mj-lt"/>
                           </a:rPr>
                           <m:t>𝜀</m:t>
                         </m:r>
@@ -7842,7 +8194,7 @@
                       <m:sub>
                         <m:r>
                           <a:rPr lang="en-CA" b="0" i="1" dirty="0" smtClean="0">
-                            <a:latin typeface="Cambria Math" panose="02040503050406030204" pitchFamily="18" charset="0"/>
+                            <a:latin typeface="+mj-lt"/>
                           </a:rPr>
                           <m:t>𝑖</m:t>
                         </m:r>
@@ -7851,48 +8203,54 @@
                   </m:oMath>
                 </a14:m>
                 <a:r>
-                  <a:rPr lang="en-US" dirty="0"/>
+                  <a:rPr lang="en-US" dirty="0">
+                    <a:latin typeface="+mj-lt"/>
+                  </a:rPr>
                   <a:t>. Usually, in this system</a:t>
                 </a:r>
               </a:p>
               <a:p>
                 <a:r>
-                  <a:rPr lang="en-US" dirty="0"/>
-                  <a:t>of equations, the unknowns α and β are chosen such that the sum of the</a:t>
-                </a:r>
-              </a:p>
-              <a:p>
-                <a:r>
-                  <a:rPr lang="en-US" dirty="0"/>
-                  <a:t>squared residuals is minimal. This is called the </a:t>
+                  <a:rPr lang="en-US" dirty="0">
+                    <a:latin typeface="+mj-lt"/>
+                  </a:rPr>
+                  <a:t>of equations, the unknowns α and β are chosen such that the sum of the squared residuals is minimal. This is called the </a:t>
                 </a:r>
                 <a:r>
-                  <a:rPr lang="en-US" b="1" dirty="0"/>
+                  <a:rPr lang="en-US" b="1" dirty="0">
+                    <a:latin typeface="+mj-lt"/>
+                  </a:rPr>
                   <a:t>least-squares method</a:t>
                 </a:r>
                 <a:r>
-                  <a:rPr lang="en-US" dirty="0"/>
-                  <a:t>, and</a:t>
+                  <a:rPr lang="en-US" dirty="0">
+                    <a:latin typeface="+mj-lt"/>
+                  </a:rPr>
+                  <a:t>, and </a:t>
                 </a:r>
-              </a:p>
-              <a:p>
                 <a:r>
-                  <a:rPr lang="en-CA" dirty="0"/>
+                  <a:rPr lang="en-CA" dirty="0">
+                    <a:latin typeface="+mj-lt"/>
+                  </a:rPr>
                   <a:t>for normal GLMs, the resulting parameter estimates </a:t>
                 </a:r>
                 <a:r>
-                  <a:rPr lang="en-US" dirty="0"/>
+                  <a:rPr lang="en-US" dirty="0">
+                    <a:latin typeface="+mj-lt"/>
+                  </a:rPr>
                   <a:t>for α and β are equivalent to those obtained using the more general </a:t>
                 </a:r>
                 <a:r>
-                  <a:rPr lang="en-CA" dirty="0"/>
+                  <a:rPr lang="en-CA" dirty="0">
+                    <a:latin typeface="+mj-lt"/>
+                  </a:rPr>
                   <a:t>maximum likelihood method.</a:t>
                 </a:r>
               </a:p>
             </p:txBody>
           </p:sp>
         </mc:Choice>
-        <mc:Fallback xmlns="">
+        <mc:Fallback>
           <p:sp>
             <p:nvSpPr>
               <p:cNvPr id="7" name="TextBox 6">
@@ -7983,13 +8341,18 @@
             <p:ph type="title"/>
           </p:nvPr>
         </p:nvSpPr>
-        <p:spPr/>
+        <p:spPr>
+          <a:xfrm>
+            <a:off x="457200" y="169702"/>
+            <a:ext cx="8229600" cy="1143000"/>
+          </a:xfrm>
+        </p:spPr>
         <p:txBody>
           <a:bodyPr/>
           <a:lstStyle/>
           <a:p>
             <a:r>
-              <a:rPr lang="en-CA" dirty="0"/>
+              <a:rPr lang="en-CA" b="1" dirty="0"/>
               <a:t>Example: t-Test</a:t>
             </a:r>
           </a:p>
@@ -8479,8 +8842,8 @@
         </p:nvSpPr>
         <p:spPr>
           <a:xfrm>
-            <a:off x="3563888" y="1412776"/>
-            <a:ext cx="360040" cy="2880320"/>
+            <a:off x="3641593" y="1401198"/>
+            <a:ext cx="360040" cy="2459850"/>
           </a:xfrm>
           <a:prstGeom prst="roundRect">
             <a:avLst/>
@@ -8529,7 +8892,7 @@
         </p:nvSpPr>
         <p:spPr>
           <a:xfrm>
-            <a:off x="5040054" y="2276872"/>
+            <a:off x="4860035" y="2077621"/>
             <a:ext cx="360040" cy="504056"/>
           </a:xfrm>
           <a:prstGeom prst="roundRect">
@@ -8579,8 +8942,8 @@
         </p:nvSpPr>
         <p:spPr>
           <a:xfrm>
-            <a:off x="3923927" y="1412776"/>
-            <a:ext cx="360040" cy="2880320"/>
+            <a:off x="4001632" y="1401198"/>
+            <a:ext cx="360040" cy="2459850"/>
           </a:xfrm>
           <a:prstGeom prst="roundRect">
             <a:avLst/>
@@ -8629,7 +8992,7 @@
         </p:nvSpPr>
         <p:spPr>
           <a:xfrm>
-            <a:off x="5040054" y="2884078"/>
+            <a:off x="4860035" y="2600908"/>
             <a:ext cx="360040" cy="504056"/>
           </a:xfrm>
           <a:prstGeom prst="roundRect">
@@ -8971,13 +9334,18 @@
             <p:ph type="title"/>
           </p:nvPr>
         </p:nvSpPr>
-        <p:spPr/>
+        <p:spPr>
+          <a:xfrm>
+            <a:off x="457199" y="285645"/>
+            <a:ext cx="8229600" cy="1143000"/>
+          </a:xfrm>
+        </p:spPr>
         <p:txBody>
           <a:bodyPr/>
           <a:lstStyle/>
           <a:p>
             <a:r>
-              <a:rPr lang="en-CA" dirty="0"/>
+              <a:rPr lang="en-CA" b="1" dirty="0"/>
               <a:t>Example: t-Test (another way)</a:t>
             </a:r>
           </a:p>
@@ -9467,8 +9835,8 @@
         </p:nvSpPr>
         <p:spPr>
           <a:xfrm>
-            <a:off x="3563888" y="1412776"/>
-            <a:ext cx="360040" cy="2880320"/>
+            <a:off x="3635896" y="1412776"/>
+            <a:ext cx="360040" cy="2381250"/>
           </a:xfrm>
           <a:prstGeom prst="roundRect">
             <a:avLst/>
@@ -9517,7 +9885,7 @@
         </p:nvSpPr>
         <p:spPr>
           <a:xfrm>
-            <a:off x="5040054" y="2276872"/>
+            <a:off x="4867938" y="2051720"/>
             <a:ext cx="360040" cy="504056"/>
           </a:xfrm>
           <a:prstGeom prst="roundRect">
@@ -9567,8 +9935,8 @@
         </p:nvSpPr>
         <p:spPr>
           <a:xfrm>
-            <a:off x="3923927" y="1412776"/>
-            <a:ext cx="360040" cy="2880320"/>
+            <a:off x="3995935" y="1412776"/>
+            <a:ext cx="360040" cy="2381250"/>
           </a:xfrm>
           <a:prstGeom prst="roundRect">
             <a:avLst/>
@@ -9617,7 +9985,7 @@
         </p:nvSpPr>
         <p:spPr>
           <a:xfrm>
-            <a:off x="5040054" y="2884078"/>
+            <a:off x="4900550" y="2555776"/>
             <a:ext cx="360040" cy="504056"/>
           </a:xfrm>
           <a:prstGeom prst="roundRect">
@@ -9965,7 +10333,7 @@
           <a:lstStyle/>
           <a:p>
             <a:r>
-              <a:rPr lang="en-CA" dirty="0"/>
+              <a:rPr lang="en-CA" b="1" dirty="0"/>
               <a:t>Example: simple linear regression</a:t>
             </a:r>
           </a:p>
@@ -10495,7 +10863,7 @@
           <a:lstStyle/>
           <a:p>
             <a:r>
-              <a:rPr lang="en-CA" dirty="0"/>
+              <a:rPr lang="en-CA" b="1" dirty="0"/>
               <a:t>Example: simple linear regression</a:t>
             </a:r>
           </a:p>
@@ -10623,14 +10991,14 @@
           <a:lstStyle/>
           <a:p>
             <a:r>
-              <a:rPr lang="en-CA" dirty="0"/>
+              <a:rPr lang="en-CA" b="1" dirty="0"/>
               <a:t>Example: simple linear regression</a:t>
             </a:r>
           </a:p>
         </p:txBody>
       </p:sp>
-      <mc:AlternateContent xmlns:mc="http://schemas.openxmlformats.org/markup-compatibility/2006" xmlns:a14="http://schemas.microsoft.com/office/drawing/2010/main">
-        <mc:Choice Requires="a14">
+      <mc:AlternateContent xmlns:mc="http://schemas.openxmlformats.org/markup-compatibility/2006">
+        <mc:Choice xmlns:a14="http://schemas.microsoft.com/office/drawing/2010/main" Requires="a14">
           <p:sp>
             <p:nvSpPr>
               <p:cNvPr id="3" name="Content Placeholder 2">
@@ -10649,7 +11017,7 @@
             </p:nvSpPr>
             <p:spPr>
               <a:xfrm>
-                <a:off x="251437" y="1412776"/>
+                <a:off x="251437" y="1829169"/>
                 <a:ext cx="8229600" cy="3096344"/>
               </a:xfrm>
             </p:spPr>
@@ -11055,7 +11423,7 @@
             </p:txBody>
           </p:sp>
         </mc:Choice>
-        <mc:Fallback xmlns="">
+        <mc:Fallback>
           <p:sp>
             <p:nvSpPr>
               <p:cNvPr id="3" name="Content Placeholder 2">
@@ -11074,7 +11442,7 @@
             </p:nvSpPr>
             <p:spPr>
               <a:xfrm>
-                <a:off x="251437" y="1412776"/>
+                <a:off x="251437" y="1829169"/>
                 <a:ext cx="8229600" cy="3096344"/>
               </a:xfrm>
               <a:blipFill>
@@ -11185,7 +11553,11 @@
           <a:bodyPr/>
           <a:lstStyle/>
           <a:p>
-            <a:endParaRPr lang="en-CA"/>
+            <a:r>
+              <a:rPr lang="en-CA" b="1" dirty="0"/>
+              <a:t>Linear model key components</a:t>
+            </a:r>
+            <a:endParaRPr lang="en-CA" dirty="0"/>
           </a:p>
         </p:txBody>
       </p:sp>
@@ -11255,6 +11627,137 @@
   <p:clrMapOvr>
     <a:masterClrMapping/>
   </p:clrMapOvr>
+  <p:timing>
+    <p:tnLst>
+      <p:par>
+        <p:cTn id="1" dur="indefinite" restart="never" nodeType="tmRoot">
+          <p:childTnLst>
+            <p:seq concurrent="1" nextAc="seek">
+              <p:cTn id="2" dur="indefinite" nodeType="mainSeq">
+                <p:childTnLst>
+                  <p:par>
+                    <p:cTn id="3" fill="hold">
+                      <p:stCondLst>
+                        <p:cond delay="indefinite"/>
+                      </p:stCondLst>
+                      <p:childTnLst>
+                        <p:par>
+                          <p:cTn id="4" fill="hold">
+                            <p:stCondLst>
+                              <p:cond delay="0"/>
+                            </p:stCondLst>
+                            <p:childTnLst>
+                              <p:par>
+                                <p:cTn id="5" presetID="1" presetClass="entr" presetSubtype="0" fill="hold" grpId="0" nodeType="clickEffect">
+                                  <p:stCondLst>
+                                    <p:cond delay="0"/>
+                                  </p:stCondLst>
+                                  <p:childTnLst>
+                                    <p:set>
+                                      <p:cBhvr>
+                                        <p:cTn id="6" dur="1" fill="hold">
+                                          <p:stCondLst>
+                                            <p:cond delay="0"/>
+                                          </p:stCondLst>
+                                        </p:cTn>
+                                        <p:tgtEl>
+                                          <p:spTgt spid="3">
+                                            <p:txEl>
+                                              <p:pRg st="2" end="2"/>
+                                            </p:txEl>
+                                          </p:spTgt>
+                                        </p:tgtEl>
+                                        <p:attrNameLst>
+                                          <p:attrName>style.visibility</p:attrName>
+                                        </p:attrNameLst>
+                                      </p:cBhvr>
+                                      <p:to>
+                                        <p:strVal val="visible"/>
+                                      </p:to>
+                                    </p:set>
+                                  </p:childTnLst>
+                                </p:cTn>
+                              </p:par>
+                            </p:childTnLst>
+                          </p:cTn>
+                        </p:par>
+                      </p:childTnLst>
+                    </p:cTn>
+                  </p:par>
+                  <p:par>
+                    <p:cTn id="7" fill="hold">
+                      <p:stCondLst>
+                        <p:cond delay="indefinite"/>
+                      </p:stCondLst>
+                      <p:childTnLst>
+                        <p:par>
+                          <p:cTn id="8" fill="hold">
+                            <p:stCondLst>
+                              <p:cond delay="0"/>
+                            </p:stCondLst>
+                            <p:childTnLst>
+                              <p:par>
+                                <p:cTn id="9" presetID="1" presetClass="entr" presetSubtype="0" fill="hold" grpId="0" nodeType="clickEffect">
+                                  <p:stCondLst>
+                                    <p:cond delay="0"/>
+                                  </p:stCondLst>
+                                  <p:childTnLst>
+                                    <p:set>
+                                      <p:cBhvr>
+                                        <p:cTn id="10" dur="1" fill="hold">
+                                          <p:stCondLst>
+                                            <p:cond delay="0"/>
+                                          </p:stCondLst>
+                                        </p:cTn>
+                                        <p:tgtEl>
+                                          <p:spTgt spid="3">
+                                            <p:txEl>
+                                              <p:pRg st="4" end="4"/>
+                                            </p:txEl>
+                                          </p:spTgt>
+                                        </p:tgtEl>
+                                        <p:attrNameLst>
+                                          <p:attrName>style.visibility</p:attrName>
+                                        </p:attrNameLst>
+                                      </p:cBhvr>
+                                      <p:to>
+                                        <p:strVal val="visible"/>
+                                      </p:to>
+                                    </p:set>
+                                  </p:childTnLst>
+                                </p:cTn>
+                              </p:par>
+                            </p:childTnLst>
+                          </p:cTn>
+                        </p:par>
+                      </p:childTnLst>
+                    </p:cTn>
+                  </p:par>
+                </p:childTnLst>
+              </p:cTn>
+              <p:prevCondLst>
+                <p:cond evt="onPrev" delay="0">
+                  <p:tgtEl>
+                    <p:sldTgt/>
+                  </p:tgtEl>
+                </p:cond>
+              </p:prevCondLst>
+              <p:nextCondLst>
+                <p:cond evt="onNext" delay="0">
+                  <p:tgtEl>
+                    <p:sldTgt/>
+                  </p:tgtEl>
+                </p:cond>
+              </p:nextCondLst>
+            </p:seq>
+          </p:childTnLst>
+        </p:cTn>
+      </p:par>
+    </p:tnLst>
+    <p:bldLst>
+      <p:bldP spid="3" grpId="0" uiExpand="1" build="p"/>
+    </p:bldLst>
+  </p:timing>
 </p:sld>
 </file>
 
@@ -11297,14 +11800,14 @@
           <a:lstStyle/>
           <a:p>
             <a:r>
-              <a:rPr lang="en-CA" dirty="0"/>
+              <a:rPr lang="en-CA" b="1" dirty="0"/>
               <a:t>Example: simple linear regression</a:t>
             </a:r>
           </a:p>
         </p:txBody>
       </p:sp>
-      <mc:AlternateContent xmlns:mc="http://schemas.openxmlformats.org/markup-compatibility/2006" xmlns:a14="http://schemas.microsoft.com/office/drawing/2010/main">
-        <mc:Choice Requires="a14">
+      <mc:AlternateContent xmlns:mc="http://schemas.openxmlformats.org/markup-compatibility/2006">
+        <mc:Choice xmlns:a14="http://schemas.microsoft.com/office/drawing/2010/main" Requires="a14">
           <p:sp>
             <p:nvSpPr>
               <p:cNvPr id="3" name="Content Placeholder 2">
@@ -11323,7 +11826,7 @@
             </p:nvSpPr>
             <p:spPr>
               <a:xfrm>
-                <a:off x="0" y="1484784"/>
+                <a:off x="-24045" y="1847850"/>
                 <a:ext cx="3563888" cy="1692188"/>
               </a:xfrm>
             </p:spPr>
@@ -11731,7 +12234,7 @@
             </p:txBody>
           </p:sp>
         </mc:Choice>
-        <mc:Fallback xmlns="">
+        <mc:Fallback>
           <p:sp>
             <p:nvSpPr>
               <p:cNvPr id="3" name="Content Placeholder 2">
@@ -11750,7 +12253,7 @@
             </p:nvSpPr>
             <p:spPr>
               <a:xfrm>
-                <a:off x="0" y="1484784"/>
+                <a:off x="-24045" y="1847850"/>
                 <a:ext cx="3563888" cy="1692188"/>
               </a:xfrm>
               <a:blipFill>
@@ -12373,7 +12876,7 @@
           <a:lstStyle/>
           <a:p>
             <a:r>
-              <a:rPr lang="en-CA" dirty="0"/>
+              <a:rPr lang="en-CA" b="1" dirty="0"/>
               <a:t>Example: One-way analysis of Variance</a:t>
             </a:r>
           </a:p>
@@ -12945,7 +13448,7 @@
           <a:lstStyle/>
           <a:p>
             <a:r>
-              <a:rPr lang="en-CA" dirty="0"/>
+              <a:rPr lang="en-CA" b="1" dirty="0"/>
               <a:t>Example: One-way analysis of Variance</a:t>
             </a:r>
           </a:p>
@@ -13075,14 +13578,14 @@
           <a:lstStyle/>
           <a:p>
             <a:r>
-              <a:rPr lang="en-CA" dirty="0"/>
+              <a:rPr lang="en-CA" b="1" dirty="0"/>
               <a:t>Example: One-way analysis of Variance</a:t>
             </a:r>
           </a:p>
         </p:txBody>
       </p:sp>
-      <mc:AlternateContent xmlns:mc="http://schemas.openxmlformats.org/markup-compatibility/2006" xmlns:a14="http://schemas.microsoft.com/office/drawing/2010/main">
-        <mc:Choice Requires="a14">
+      <mc:AlternateContent xmlns:mc="http://schemas.openxmlformats.org/markup-compatibility/2006">
+        <mc:Choice xmlns:a14="http://schemas.microsoft.com/office/drawing/2010/main" Requires="a14">
           <p:sp>
             <p:nvSpPr>
               <p:cNvPr id="3" name="Content Placeholder 2">
@@ -13101,7 +13604,7 @@
             </p:nvSpPr>
             <p:spPr>
               <a:xfrm>
-                <a:off x="251437" y="1412776"/>
+                <a:off x="251436" y="1903681"/>
                 <a:ext cx="8229600" cy="3096344"/>
               </a:xfrm>
             </p:spPr>
@@ -13570,7 +14073,7 @@
             </p:txBody>
           </p:sp>
         </mc:Choice>
-        <mc:Fallback xmlns="">
+        <mc:Fallback>
           <p:sp>
             <p:nvSpPr>
               <p:cNvPr id="3" name="Content Placeholder 2">
@@ -13589,7 +14092,7 @@
             </p:nvSpPr>
             <p:spPr>
               <a:xfrm>
-                <a:off x="251437" y="1412776"/>
+                <a:off x="251436" y="1903681"/>
                 <a:ext cx="8229600" cy="3096344"/>
               </a:xfrm>
               <a:blipFill>
@@ -13703,7 +14206,7 @@
           <a:lstStyle/>
           <a:p>
             <a:r>
-              <a:rPr lang="en-CA" dirty="0"/>
+              <a:rPr lang="en-CA" b="1" dirty="0"/>
               <a:t>Example: Two-way analysis of Variance</a:t>
             </a:r>
           </a:p>
@@ -14420,7 +14923,7 @@
           <a:lstStyle/>
           <a:p>
             <a:r>
-              <a:rPr lang="en-CA" dirty="0"/>
+              <a:rPr lang="en-CA" b="1" dirty="0"/>
               <a:t>Example: Two-way analysis of Variance</a:t>
             </a:r>
           </a:p>
@@ -14448,7 +14951,7 @@
         </p:blipFill>
         <p:spPr>
           <a:xfrm>
-            <a:off x="323528" y="2481230"/>
+            <a:off x="323528" y="3338051"/>
             <a:ext cx="4343400" cy="2143125"/>
           </a:xfrm>
           <a:prstGeom prst="rect">
@@ -14461,8 +14964,8 @@
           </a:ln>
         </p:spPr>
       </p:pic>
-      <mc:AlternateContent xmlns:mc="http://schemas.openxmlformats.org/markup-compatibility/2006" xmlns:a14="http://schemas.microsoft.com/office/drawing/2010/main">
-        <mc:Choice Requires="a14">
+      <mc:AlternateContent xmlns:mc="http://schemas.openxmlformats.org/markup-compatibility/2006">
+        <mc:Choice xmlns:a14="http://schemas.microsoft.com/office/drawing/2010/main" Requires="a14">
           <p:sp>
             <p:nvSpPr>
               <p:cNvPr id="6" name="Rectangle 5">
@@ -14477,8 +14980,8 @@
             </p:nvSpPr>
             <p:spPr>
               <a:xfrm>
-                <a:off x="1187624" y="1700808"/>
-                <a:ext cx="6120680" cy="497252"/>
+                <a:off x="822412" y="2263911"/>
+                <a:ext cx="7499176" cy="564706"/>
               </a:xfrm>
               <a:prstGeom prst="rect">
                 <a:avLst/>
@@ -14500,7 +15003,7 @@
                       <m:sSub>
                         <m:sSubPr>
                           <m:ctrlPr>
-                            <a:rPr lang="en-CA" sz="2400" b="1" i="1">
+                            <a:rPr lang="en-CA" sz="2800" b="1" i="1">
                               <a:latin typeface="Cambria Math" panose="02040503050406030204" pitchFamily="18" charset="0"/>
                             </a:rPr>
                           </m:ctrlPr>
@@ -14510,7 +15013,7 @@
                             <m:rPr>
                               <m:nor/>
                             </m:rPr>
-                            <a:rPr lang="en-CA" sz="2400" b="1">
+                            <a:rPr lang="en-CA" sz="2800" b="1">
                               <a:latin typeface="Cambria Math" panose="02040503050406030204" pitchFamily="18" charset="0"/>
                             </a:rPr>
                             <m:t>mass</m:t>
@@ -14518,7 +15021,7 @@
                         </m:e>
                         <m:sub>
                           <m:r>
-                            <a:rPr lang="en-CA" sz="2400" b="1" i="1">
+                            <a:rPr lang="en-CA" sz="2800" b="1" i="1">
                               <a:latin typeface="Cambria Math" panose="02040503050406030204" pitchFamily="18" charset="0"/>
                             </a:rPr>
                             <m:t>𝒊</m:t>
@@ -14529,11 +15032,11 @@
                         <m:rPr>
                           <m:nor/>
                         </m:rPr>
-                        <a:rPr lang="en-CA" sz="2400" b="1"/>
+                        <a:rPr lang="en-CA" sz="2800" b="1"/>
                         <m:t> = </m:t>
                       </m:r>
                       <m:r>
-                        <a:rPr lang="en-CA" sz="2400" b="1" i="1">
+                        <a:rPr lang="en-CA" sz="2800" b="1" i="1">
                           <a:latin typeface="Cambria Math" panose="02040503050406030204" pitchFamily="18" charset="0"/>
                           <a:ea typeface="Cambria Math" panose="02040503050406030204" pitchFamily="18" charset="0"/>
                         </a:rPr>
@@ -14543,7 +15046,7 @@
                         <m:rPr>
                           <m:nor/>
                         </m:rPr>
-                        <a:rPr lang="en-CA" sz="2400" b="1">
+                        <a:rPr lang="en-CA" sz="2800" b="1">
                           <a:latin typeface="Cambria Math" panose="02040503050406030204" pitchFamily="18" charset="0"/>
                           <a:ea typeface="Cambria Math" panose="02040503050406030204" pitchFamily="18" charset="0"/>
                         </a:rPr>
@@ -14552,7 +15055,7 @@
                       <m:sSub>
                         <m:sSubPr>
                           <m:ctrlPr>
-                            <a:rPr lang="en-CA" sz="2400" b="1" i="1">
+                            <a:rPr lang="en-CA" sz="2800" b="1" i="1">
                               <a:latin typeface="Cambria Math" panose="02040503050406030204" pitchFamily="18" charset="0"/>
                               <a:ea typeface="Cambria Math" panose="02040503050406030204" pitchFamily="18" charset="0"/>
                             </a:rPr>
@@ -14560,7 +15063,7 @@
                         </m:sSubPr>
                         <m:e>
                           <m:r>
-                            <a:rPr lang="en-CA" sz="2400" b="1" i="1">
+                            <a:rPr lang="en-CA" sz="2800" b="1" i="1">
                               <a:latin typeface="Cambria Math" panose="02040503050406030204" pitchFamily="18" charset="0"/>
                               <a:ea typeface="Cambria Math" panose="02040503050406030204" pitchFamily="18" charset="0"/>
                             </a:rPr>
@@ -14569,28 +15072,28 @@
                         </m:e>
                         <m:sub>
                           <m:r>
-                            <a:rPr lang="en-CA" sz="2400" b="1" i="1">
+                            <a:rPr lang="en-CA" sz="2800" b="1" i="1">
                               <a:latin typeface="Cambria Math" panose="02040503050406030204" pitchFamily="18" charset="0"/>
                               <a:ea typeface="Cambria Math" panose="02040503050406030204" pitchFamily="18" charset="0"/>
                             </a:rPr>
                             <m:t>𝒋</m:t>
                           </m:r>
                           <m:r>
-                            <a:rPr lang="en-CA" sz="2400" b="1" i="1">
+                            <a:rPr lang="en-CA" sz="2800" b="1" i="1">
                               <a:latin typeface="Cambria Math" panose="02040503050406030204" pitchFamily="18" charset="0"/>
                               <a:ea typeface="Cambria Math" panose="02040503050406030204" pitchFamily="18" charset="0"/>
                             </a:rPr>
                             <m:t>(</m:t>
                           </m:r>
                           <m:r>
-                            <a:rPr lang="en-CA" sz="2400" b="1" i="1">
+                            <a:rPr lang="en-CA" sz="2800" b="1" i="1">
                               <a:latin typeface="Cambria Math" panose="02040503050406030204" pitchFamily="18" charset="0"/>
                               <a:ea typeface="Cambria Math" panose="02040503050406030204" pitchFamily="18" charset="0"/>
                             </a:rPr>
                             <m:t>𝒊</m:t>
                           </m:r>
                           <m:r>
-                            <a:rPr lang="en-CA" sz="2400" b="1" i="1">
+                            <a:rPr lang="en-CA" sz="2800" b="1" i="1">
                               <a:latin typeface="Cambria Math" panose="02040503050406030204" pitchFamily="18" charset="0"/>
                               <a:ea typeface="Cambria Math" panose="02040503050406030204" pitchFamily="18" charset="0"/>
                             </a:rPr>
@@ -14599,7 +15102,7 @@
                         </m:sub>
                       </m:sSub>
                       <m:r>
-                        <a:rPr lang="en-CA" sz="2400" b="1" i="1">
+                        <a:rPr lang="en-CA" sz="2800" b="1" i="1">
                           <a:latin typeface="Cambria Math" panose="02040503050406030204" pitchFamily="18" charset="0"/>
                           <a:ea typeface="Cambria Math" panose="02040503050406030204" pitchFamily="18" charset="0"/>
                         </a:rPr>
@@ -14608,7 +15111,7 @@
                       <m:sSub>
                         <m:sSubPr>
                           <m:ctrlPr>
-                            <a:rPr lang="en-CA" sz="2400" b="1" i="1">
+                            <a:rPr lang="en-CA" sz="2800" b="1" i="1">
                               <a:latin typeface="Cambria Math" panose="02040503050406030204" pitchFamily="18" charset="0"/>
                               <a:ea typeface="Cambria Math" panose="02040503050406030204" pitchFamily="18" charset="0"/>
                             </a:rPr>
@@ -14616,7 +15119,7 @@
                         </m:sSubPr>
                         <m:e>
                           <m:r>
-                            <a:rPr lang="en-CA" sz="2400" b="1" i="1">
+                            <a:rPr lang="en-CA" sz="2800" b="1" i="1">
                               <a:latin typeface="Cambria Math" panose="02040503050406030204" pitchFamily="18" charset="0"/>
                               <a:ea typeface="Cambria Math" panose="02040503050406030204" pitchFamily="18" charset="0"/>
                             </a:rPr>
@@ -14625,7 +15128,7 @@
                         </m:e>
                         <m:sub>
                           <m:r>
-                            <a:rPr lang="en-CA" sz="2400" b="1" i="1">
+                            <a:rPr lang="en-CA" sz="2800" b="1" i="1">
                               <a:latin typeface="Cambria Math" panose="02040503050406030204" pitchFamily="18" charset="0"/>
                               <a:ea typeface="Cambria Math" panose="02040503050406030204" pitchFamily="18" charset="0"/>
                             </a:rPr>
@@ -14637,27 +15140,27 @@
                         <m:rPr>
                           <m:nor/>
                         </m:rPr>
-                        <a:rPr lang="el-GR" sz="2400" b="1"/>
+                        <a:rPr lang="el-GR" sz="2800" b="1"/>
                         <m:t> </m:t>
                       </m:r>
                       <m:r>
                         <m:rPr>
                           <m:nor/>
                         </m:rPr>
-                        <a:rPr lang="en-CA" sz="2400" b="1"/>
+                        <a:rPr lang="en-CA" sz="2800" b="1"/>
                         <m:t>+ </m:t>
                       </m:r>
                       <m:sSub>
                         <m:sSubPr>
                           <m:ctrlPr>
-                            <a:rPr lang="en-CA" sz="2400" b="1" i="1">
+                            <a:rPr lang="en-CA" sz="2800" b="1" i="1">
                               <a:latin typeface="Cambria Math" panose="02040503050406030204" pitchFamily="18" charset="0"/>
                             </a:rPr>
                           </m:ctrlPr>
                         </m:sSubPr>
                         <m:e>
                           <m:r>
-                            <a:rPr lang="en-CA" sz="2400" b="1" i="1">
+                            <a:rPr lang="en-CA" sz="2800" b="1" i="1">
                               <a:latin typeface="Cambria Math" panose="02040503050406030204" pitchFamily="18" charset="0"/>
                               <a:ea typeface="Cambria Math" panose="02040503050406030204" pitchFamily="18" charset="0"/>
                             </a:rPr>
@@ -14666,25 +15169,25 @@
                         </m:e>
                         <m:sub>
                           <m:r>
-                            <a:rPr lang="en-CA" sz="2400" b="1" i="1">
+                            <a:rPr lang="en-CA" sz="2800" b="1" i="1">
                               <a:latin typeface="Cambria Math" panose="02040503050406030204" pitchFamily="18" charset="0"/>
                             </a:rPr>
                             <m:t>𝒌</m:t>
                           </m:r>
                           <m:r>
-                            <a:rPr lang="en-CA" sz="2400" b="1" i="1">
+                            <a:rPr lang="en-CA" sz="2800" b="1" i="1">
                               <a:latin typeface="Cambria Math" panose="02040503050406030204" pitchFamily="18" charset="0"/>
                             </a:rPr>
                             <m:t>(</m:t>
                           </m:r>
                           <m:r>
-                            <a:rPr lang="en-CA" sz="2400" b="1" i="1">
+                            <a:rPr lang="en-CA" sz="2800" b="1" i="1">
                               <a:latin typeface="Cambria Math" panose="02040503050406030204" pitchFamily="18" charset="0"/>
                             </a:rPr>
                             <m:t>𝒊</m:t>
                           </m:r>
                           <m:r>
-                            <a:rPr lang="en-CA" sz="2400" b="1" i="1">
+                            <a:rPr lang="en-CA" sz="2800" b="1" i="1">
                               <a:latin typeface="Cambria Math" panose="02040503050406030204" pitchFamily="18" charset="0"/>
                             </a:rPr>
                             <m:t>)</m:t>
@@ -14692,7 +15195,7 @@
                         </m:sub>
                       </m:sSub>
                       <m:r>
-                        <a:rPr lang="en-CA" sz="2400" b="1" i="1">
+                        <a:rPr lang="en-CA" sz="2800" b="1" i="1">
                           <a:latin typeface="Cambria Math" panose="02040503050406030204" pitchFamily="18" charset="0"/>
                         </a:rPr>
                         <m:t>∗</m:t>
@@ -14700,14 +15203,14 @@
                       <m:sSub>
                         <m:sSubPr>
                           <m:ctrlPr>
-                            <a:rPr lang="en-CA" sz="2400" b="1" i="1">
+                            <a:rPr lang="en-CA" sz="2800" b="1" i="1">
                               <a:latin typeface="Cambria Math" panose="02040503050406030204" pitchFamily="18" charset="0"/>
                             </a:rPr>
                           </m:ctrlPr>
                         </m:sSubPr>
                         <m:e>
                           <m:r>
-                            <a:rPr lang="en-CA" sz="2400" b="1" i="1">
+                            <a:rPr lang="en-CA" sz="2800" b="1" i="1">
                               <a:latin typeface="Cambria Math" panose="02040503050406030204" pitchFamily="18" charset="0"/>
                             </a:rPr>
                             <m:t>𝒉𝒂𝒃</m:t>
@@ -14715,7 +15218,7 @@
                         </m:e>
                         <m:sub>
                           <m:r>
-                            <a:rPr lang="en-CA" sz="2400" b="1" i="1">
+                            <a:rPr lang="en-CA" sz="2800" b="1" i="1">
                               <a:latin typeface="Cambria Math" panose="02040503050406030204" pitchFamily="18" charset="0"/>
                             </a:rPr>
                             <m:t>𝒊</m:t>
@@ -14726,13 +15229,13 @@
                         <m:rPr>
                           <m:nor/>
                         </m:rPr>
-                        <a:rPr lang="el-GR" sz="2400" b="1"/>
+                        <a:rPr lang="el-GR" sz="2800" b="1"/>
                         <m:t>+ </m:t>
                       </m:r>
                       <m:sSub>
                         <m:sSubPr>
                           <m:ctrlPr>
-                            <a:rPr lang="el-GR" sz="2400" b="1" i="1">
+                            <a:rPr lang="el-GR" sz="2800" b="1" i="1">
                               <a:latin typeface="Cambria Math" panose="02040503050406030204" pitchFamily="18" charset="0"/>
                             </a:rPr>
                           </m:ctrlPr>
@@ -14742,13 +15245,13 @@
                             <m:rPr>
                               <m:nor/>
                             </m:rPr>
-                            <a:rPr lang="el-GR" sz="2400" b="1"/>
+                            <a:rPr lang="el-GR" sz="2800" b="1"/>
                             <m:t>ε</m:t>
                           </m:r>
                         </m:e>
                         <m:sub>
                           <m:r>
-                            <a:rPr lang="en-CA" sz="2400" b="1" i="1">
+                            <a:rPr lang="en-CA" sz="2800" b="1" i="1">
                               <a:latin typeface="Cambria Math" panose="02040503050406030204" pitchFamily="18" charset="0"/>
                             </a:rPr>
                             <m:t>𝒊</m:t>
@@ -14758,12 +15261,12 @@
                     </m:oMath>
                   </m:oMathPara>
                 </a14:m>
-                <a:endParaRPr lang="en-CA" sz="2400" dirty="0"/>
+                <a:endParaRPr lang="en-CA" sz="2800" dirty="0"/>
               </a:p>
             </p:txBody>
           </p:sp>
         </mc:Choice>
-        <mc:Fallback xmlns="">
+        <mc:Fallback>
           <p:sp>
             <p:nvSpPr>
               <p:cNvPr id="6" name="Rectangle 5">
@@ -14780,8 +15283,8 @@
             </p:nvSpPr>
             <p:spPr>
               <a:xfrm>
-                <a:off x="1187624" y="1700808"/>
-                <a:ext cx="6120680" cy="497252"/>
+                <a:off x="822412" y="2263911"/>
+                <a:ext cx="7499176" cy="564706"/>
               </a:xfrm>
               <a:prstGeom prst="rect">
                 <a:avLst/>
@@ -14789,7 +15292,7 @@
               <a:blipFill>
                 <a:blip r:embed="rId3"/>
                 <a:stretch>
-                  <a:fillRect b="-10976"/>
+                  <a:fillRect/>
                 </a:stretch>
               </a:blipFill>
             </p:spPr>
@@ -14949,14 +15452,14 @@
           <a:lstStyle/>
           <a:p>
             <a:r>
-              <a:rPr lang="en-CA" dirty="0"/>
+              <a:rPr lang="en-CA" b="1" dirty="0"/>
               <a:t>Example: Two-way analysis of Variance</a:t>
             </a:r>
           </a:p>
         </p:txBody>
       </p:sp>
-      <mc:AlternateContent xmlns:mc="http://schemas.openxmlformats.org/markup-compatibility/2006" xmlns:a14="http://schemas.microsoft.com/office/drawing/2010/main">
-        <mc:Choice Requires="a14">
+      <mc:AlternateContent xmlns:mc="http://schemas.openxmlformats.org/markup-compatibility/2006">
+        <mc:Choice xmlns:a14="http://schemas.microsoft.com/office/drawing/2010/main" Requires="a14">
           <p:sp>
             <p:nvSpPr>
               <p:cNvPr id="3" name="Content Placeholder 2">
@@ -14975,7 +15478,7 @@
             </p:nvSpPr>
             <p:spPr>
               <a:xfrm>
-                <a:off x="251437" y="1412776"/>
+                <a:off x="251520" y="1913807"/>
                 <a:ext cx="8229600" cy="3096344"/>
               </a:xfrm>
             </p:spPr>
@@ -15474,7 +15977,7 @@
             </p:txBody>
           </p:sp>
         </mc:Choice>
-        <mc:Fallback xmlns="">
+        <mc:Fallback>
           <p:sp>
             <p:nvSpPr>
               <p:cNvPr id="3" name="Content Placeholder 2">
@@ -15493,7 +15996,7 @@
             </p:nvSpPr>
             <p:spPr>
               <a:xfrm>
-                <a:off x="251437" y="1412776"/>
+                <a:off x="251520" y="1913807"/>
                 <a:ext cx="8229600" cy="3096344"/>
               </a:xfrm>
               <a:blipFill>
@@ -15602,12 +16105,12 @@
         <p:spPr/>
         <p:txBody>
           <a:bodyPr>
-            <a:normAutofit/>
+            <a:normAutofit fontScale="90000"/>
           </a:bodyPr>
           <a:lstStyle/>
           <a:p>
             <a:r>
-              <a:rPr lang="en-CA" dirty="0"/>
+              <a:rPr lang="en-CA" b="1" dirty="0"/>
               <a:t>Example: Analysis of Covariance</a:t>
             </a:r>
           </a:p>
@@ -16269,19 +16772,19 @@
         <p:spPr/>
         <p:txBody>
           <a:bodyPr>
-            <a:normAutofit/>
+            <a:normAutofit fontScale="90000"/>
           </a:bodyPr>
           <a:lstStyle/>
           <a:p>
             <a:r>
-              <a:rPr lang="en-CA" dirty="0"/>
+              <a:rPr lang="en-CA" b="1" dirty="0"/>
               <a:t>Example: Analysis of Covariance</a:t>
             </a:r>
           </a:p>
         </p:txBody>
       </p:sp>
-      <mc:AlternateContent xmlns:mc="http://schemas.openxmlformats.org/markup-compatibility/2006" xmlns:a14="http://schemas.microsoft.com/office/drawing/2010/main">
-        <mc:Choice Requires="a14">
+      <mc:AlternateContent xmlns:mc="http://schemas.openxmlformats.org/markup-compatibility/2006">
+        <mc:Choice xmlns:a14="http://schemas.microsoft.com/office/drawing/2010/main" Requires="a14">
           <p:sp>
             <p:nvSpPr>
               <p:cNvPr id="6" name="Rectangle 5">
@@ -16296,8 +16799,8 @@
             </p:nvSpPr>
             <p:spPr>
               <a:xfrm>
-                <a:off x="1187624" y="1700808"/>
-                <a:ext cx="6120680" cy="497252"/>
+                <a:off x="1187623" y="2099762"/>
+                <a:ext cx="6120680" cy="564706"/>
               </a:xfrm>
               <a:prstGeom prst="rect">
                 <a:avLst/>
@@ -16319,7 +16822,7 @@
                       <m:sSub>
                         <m:sSubPr>
                           <m:ctrlPr>
-                            <a:rPr lang="en-CA" sz="2400" b="1" i="1">
+                            <a:rPr lang="en-CA" sz="2800" b="1" i="1">
                               <a:latin typeface="Cambria Math" panose="02040503050406030204" pitchFamily="18" charset="0"/>
                             </a:rPr>
                           </m:ctrlPr>
@@ -16329,7 +16832,7 @@
                             <m:rPr>
                               <m:nor/>
                             </m:rPr>
-                            <a:rPr lang="en-CA" sz="2400" b="1">
+                            <a:rPr lang="en-CA" sz="2800" b="1">
                               <a:latin typeface="Cambria Math" panose="02040503050406030204" pitchFamily="18" charset="0"/>
                             </a:rPr>
                             <m:t>mass</m:t>
@@ -16337,7 +16840,7 @@
                         </m:e>
                         <m:sub>
                           <m:r>
-                            <a:rPr lang="en-CA" sz="2400" b="1" i="1">
+                            <a:rPr lang="en-CA" sz="2800" b="1" i="1">
                               <a:latin typeface="Cambria Math" panose="02040503050406030204" pitchFamily="18" charset="0"/>
                             </a:rPr>
                             <m:t>𝒊</m:t>
@@ -16348,11 +16851,11 @@
                         <m:rPr>
                           <m:nor/>
                         </m:rPr>
-                        <a:rPr lang="en-CA" sz="2400" b="1"/>
+                        <a:rPr lang="en-CA" sz="2800" b="1"/>
                         <m:t> = </m:t>
                       </m:r>
                       <m:r>
-                        <a:rPr lang="en-CA" sz="2400" b="1" i="1">
+                        <a:rPr lang="en-CA" sz="2800" b="1" i="1">
                           <a:latin typeface="Cambria Math" panose="02040503050406030204" pitchFamily="18" charset="0"/>
                           <a:ea typeface="Cambria Math" panose="02040503050406030204" pitchFamily="18" charset="0"/>
                         </a:rPr>
@@ -16362,7 +16865,7 @@
                         <m:rPr>
                           <m:nor/>
                         </m:rPr>
-                        <a:rPr lang="en-CA" sz="2400" b="1">
+                        <a:rPr lang="en-CA" sz="2800" b="1">
                           <a:latin typeface="Cambria Math" panose="02040503050406030204" pitchFamily="18" charset="0"/>
                           <a:ea typeface="Cambria Math" panose="02040503050406030204" pitchFamily="18" charset="0"/>
                         </a:rPr>
@@ -16371,7 +16874,7 @@
                       <m:sSub>
                         <m:sSubPr>
                           <m:ctrlPr>
-                            <a:rPr lang="en-CA" sz="2400" b="1" i="1">
+                            <a:rPr lang="en-CA" sz="2800" b="1" i="1">
                               <a:latin typeface="Cambria Math" panose="02040503050406030204" pitchFamily="18" charset="0"/>
                               <a:ea typeface="Cambria Math" panose="02040503050406030204" pitchFamily="18" charset="0"/>
                             </a:rPr>
@@ -16379,7 +16882,7 @@
                         </m:sSubPr>
                         <m:e>
                           <m:r>
-                            <a:rPr lang="en-CA" sz="2400" b="1" i="1">
+                            <a:rPr lang="en-CA" sz="2800" b="1" i="1">
                               <a:latin typeface="Cambria Math" panose="02040503050406030204" pitchFamily="18" charset="0"/>
                               <a:ea typeface="Cambria Math" panose="02040503050406030204" pitchFamily="18" charset="0"/>
                             </a:rPr>
@@ -16388,28 +16891,28 @@
                         </m:e>
                         <m:sub>
                           <m:r>
-                            <a:rPr lang="en-CA" sz="2400" b="1" i="1">
+                            <a:rPr lang="en-CA" sz="2800" b="1" i="1">
                               <a:latin typeface="Cambria Math" panose="02040503050406030204" pitchFamily="18" charset="0"/>
                               <a:ea typeface="Cambria Math" panose="02040503050406030204" pitchFamily="18" charset="0"/>
                             </a:rPr>
                             <m:t>𝒋</m:t>
                           </m:r>
                           <m:r>
-                            <a:rPr lang="en-CA" sz="2400" b="1" i="1">
+                            <a:rPr lang="en-CA" sz="2800" b="1" i="1">
                               <a:latin typeface="Cambria Math" panose="02040503050406030204" pitchFamily="18" charset="0"/>
                               <a:ea typeface="Cambria Math" panose="02040503050406030204" pitchFamily="18" charset="0"/>
                             </a:rPr>
                             <m:t>(</m:t>
                           </m:r>
                           <m:r>
-                            <a:rPr lang="en-CA" sz="2400" b="1" i="1">
+                            <a:rPr lang="en-CA" sz="2800" b="1" i="1">
                               <a:latin typeface="Cambria Math" panose="02040503050406030204" pitchFamily="18" charset="0"/>
                               <a:ea typeface="Cambria Math" panose="02040503050406030204" pitchFamily="18" charset="0"/>
                             </a:rPr>
                             <m:t>𝒊</m:t>
                           </m:r>
                           <m:r>
-                            <a:rPr lang="en-CA" sz="2400" b="1" i="1">
+                            <a:rPr lang="en-CA" sz="2800" b="1" i="1">
                               <a:latin typeface="Cambria Math" panose="02040503050406030204" pitchFamily="18" charset="0"/>
                               <a:ea typeface="Cambria Math" panose="02040503050406030204" pitchFamily="18" charset="0"/>
                             </a:rPr>
@@ -16418,7 +16921,7 @@
                         </m:sub>
                       </m:sSub>
                       <m:r>
-                        <a:rPr lang="en-CA" sz="2400" b="1" i="1">
+                        <a:rPr lang="en-CA" sz="2800" b="1" i="1">
                           <a:latin typeface="Cambria Math" panose="02040503050406030204" pitchFamily="18" charset="0"/>
                           <a:ea typeface="Cambria Math" panose="02040503050406030204" pitchFamily="18" charset="0"/>
                         </a:rPr>
@@ -16427,7 +16930,7 @@
                       <m:sSub>
                         <m:sSubPr>
                           <m:ctrlPr>
-                            <a:rPr lang="en-CA" sz="2400" b="1" i="1">
+                            <a:rPr lang="en-CA" sz="2800" b="1" i="1">
                               <a:latin typeface="Cambria Math" panose="02040503050406030204" pitchFamily="18" charset="0"/>
                               <a:ea typeface="Cambria Math" panose="02040503050406030204" pitchFamily="18" charset="0"/>
                             </a:rPr>
@@ -16435,7 +16938,7 @@
                         </m:sSubPr>
                         <m:e>
                           <m:r>
-                            <a:rPr lang="en-CA" sz="2400" b="1" i="1">
+                            <a:rPr lang="en-CA" sz="2800" b="1" i="1">
                               <a:latin typeface="Cambria Math" panose="02040503050406030204" pitchFamily="18" charset="0"/>
                               <a:ea typeface="Cambria Math" panose="02040503050406030204" pitchFamily="18" charset="0"/>
                             </a:rPr>
@@ -16444,7 +16947,7 @@
                         </m:e>
                         <m:sub>
                           <m:r>
-                            <a:rPr lang="en-CA" sz="2400" b="1" i="1">
+                            <a:rPr lang="en-CA" sz="2800" b="1" i="1">
                               <a:latin typeface="Cambria Math" panose="02040503050406030204" pitchFamily="18" charset="0"/>
                               <a:ea typeface="Cambria Math" panose="02040503050406030204" pitchFamily="18" charset="0"/>
                             </a:rPr>
@@ -16456,25 +16959,25 @@
                         <m:rPr>
                           <m:nor/>
                         </m:rPr>
-                        <a:rPr lang="el-GR" sz="2400" b="1"/>
+                        <a:rPr lang="el-GR" sz="2800" b="1"/>
                         <m:t> </m:t>
                       </m:r>
                       <m:r>
                         <m:rPr>
                           <m:nor/>
                         </m:rPr>
-                        <a:rPr lang="en-CA" sz="2400" b="1"/>
+                        <a:rPr lang="en-CA" sz="2800" b="1"/>
                         <m:t>+ </m:t>
                       </m:r>
                       <m:r>
-                        <a:rPr lang="en-CA" sz="2400" b="1" i="1">
+                        <a:rPr lang="en-CA" sz="2800" b="1" i="1">
                           <a:latin typeface="Cambria Math" panose="02040503050406030204" pitchFamily="18" charset="0"/>
                           <a:ea typeface="Cambria Math" panose="02040503050406030204" pitchFamily="18" charset="0"/>
                         </a:rPr>
                         <m:t>𝜹</m:t>
                       </m:r>
                       <m:r>
-                        <a:rPr lang="en-CA" sz="2400" b="1" i="1">
+                        <a:rPr lang="en-CA" sz="2800" b="1" i="1">
                           <a:latin typeface="Cambria Math" panose="02040503050406030204" pitchFamily="18" charset="0"/>
                         </a:rPr>
                         <m:t>∗</m:t>
@@ -16482,14 +16985,14 @@
                       <m:sSub>
                         <m:sSubPr>
                           <m:ctrlPr>
-                            <a:rPr lang="en-CA" sz="2400" b="1" i="1">
+                            <a:rPr lang="en-CA" sz="2800" b="1" i="1">
                               <a:latin typeface="Cambria Math" panose="02040503050406030204" pitchFamily="18" charset="0"/>
                             </a:rPr>
                           </m:ctrlPr>
                         </m:sSubPr>
                         <m:e>
                           <m:r>
-                            <a:rPr lang="en-CA" sz="2400" b="1" i="1">
+                            <a:rPr lang="en-CA" sz="2800" b="1" i="1">
                               <a:latin typeface="Cambria Math" panose="02040503050406030204" pitchFamily="18" charset="0"/>
                             </a:rPr>
                             <m:t>𝒔𝒗𝒍</m:t>
@@ -16497,7 +17000,7 @@
                         </m:e>
                         <m:sub>
                           <m:r>
-                            <a:rPr lang="en-CA" sz="2400" b="1" i="1">
+                            <a:rPr lang="en-CA" sz="2800" b="1" i="1">
                               <a:latin typeface="Cambria Math" panose="02040503050406030204" pitchFamily="18" charset="0"/>
                             </a:rPr>
                             <m:t>𝒊</m:t>
@@ -16508,13 +17011,13 @@
                         <m:rPr>
                           <m:nor/>
                         </m:rPr>
-                        <a:rPr lang="el-GR" sz="2400" b="1"/>
+                        <a:rPr lang="el-GR" sz="2800" b="1"/>
                         <m:t>+ </m:t>
                       </m:r>
                       <m:sSub>
                         <m:sSubPr>
                           <m:ctrlPr>
-                            <a:rPr lang="el-GR" sz="2400" b="1" i="1">
+                            <a:rPr lang="el-GR" sz="2800" b="1" i="1">
                               <a:latin typeface="Cambria Math" panose="02040503050406030204" pitchFamily="18" charset="0"/>
                             </a:rPr>
                           </m:ctrlPr>
@@ -16524,13 +17027,13 @@
                             <m:rPr>
                               <m:nor/>
                             </m:rPr>
-                            <a:rPr lang="el-GR" sz="2400" b="1"/>
+                            <a:rPr lang="el-GR" sz="2800" b="1"/>
                             <m:t>ε</m:t>
                           </m:r>
                         </m:e>
                         <m:sub>
                           <m:r>
-                            <a:rPr lang="en-CA" sz="2400" b="1" i="1">
+                            <a:rPr lang="en-CA" sz="2800" b="1" i="1">
                               <a:latin typeface="Cambria Math" panose="02040503050406030204" pitchFamily="18" charset="0"/>
                             </a:rPr>
                             <m:t>𝒊</m:t>
@@ -16540,12 +17043,12 @@
                     </m:oMath>
                   </m:oMathPara>
                 </a14:m>
-                <a:endParaRPr lang="en-CA" sz="2400" b="1" dirty="0"/>
+                <a:endParaRPr lang="en-CA" sz="2800" b="1" dirty="0"/>
               </a:p>
             </p:txBody>
           </p:sp>
         </mc:Choice>
-        <mc:Fallback xmlns="">
+        <mc:Fallback>
           <p:sp>
             <p:nvSpPr>
               <p:cNvPr id="6" name="Rectangle 5">
@@ -16562,8 +17065,8 @@
             </p:nvSpPr>
             <p:spPr>
               <a:xfrm>
-                <a:off x="1187624" y="1700808"/>
-                <a:ext cx="6120680" cy="497252"/>
+                <a:off x="1187623" y="2099762"/>
+                <a:ext cx="6120680" cy="564706"/>
               </a:xfrm>
               <a:prstGeom prst="rect">
                 <a:avLst/>
@@ -16571,7 +17074,7 @@
               <a:blipFill>
                 <a:blip r:embed="rId2"/>
                 <a:stretch>
-                  <a:fillRect b="-10976"/>
+                  <a:fillRect/>
                 </a:stretch>
               </a:blipFill>
             </p:spPr>
@@ -16674,19 +17177,19 @@
         <p:spPr/>
         <p:txBody>
           <a:bodyPr>
-            <a:normAutofit/>
+            <a:normAutofit fontScale="90000"/>
           </a:bodyPr>
           <a:lstStyle/>
           <a:p>
             <a:r>
-              <a:rPr lang="en-CA" dirty="0"/>
+              <a:rPr lang="en-CA" b="1" dirty="0"/>
               <a:t>Example: Analysis of Covariance</a:t>
             </a:r>
           </a:p>
         </p:txBody>
       </p:sp>
-      <mc:AlternateContent xmlns:mc="http://schemas.openxmlformats.org/markup-compatibility/2006" xmlns:a14="http://schemas.microsoft.com/office/drawing/2010/main">
-        <mc:Choice Requires="a14">
+      <mc:AlternateContent xmlns:mc="http://schemas.openxmlformats.org/markup-compatibility/2006">
+        <mc:Choice xmlns:a14="http://schemas.microsoft.com/office/drawing/2010/main" Requires="a14">
           <p:sp>
             <p:nvSpPr>
               <p:cNvPr id="3" name="Content Placeholder 2">
@@ -16705,7 +17208,7 @@
             </p:nvSpPr>
             <p:spPr>
               <a:xfrm>
-                <a:off x="251437" y="1412776"/>
+                <a:off x="251520" y="1846516"/>
                 <a:ext cx="8229600" cy="3096344"/>
               </a:xfrm>
             </p:spPr>
@@ -17178,7 +17681,7 @@
             </p:txBody>
           </p:sp>
         </mc:Choice>
-        <mc:Fallback xmlns="">
+        <mc:Fallback>
           <p:sp>
             <p:nvSpPr>
               <p:cNvPr id="3" name="Content Placeholder 2">
@@ -17197,7 +17700,7 @@
             </p:nvSpPr>
             <p:spPr>
               <a:xfrm>
-                <a:off x="251437" y="1412776"/>
+                <a:off x="251520" y="1846516"/>
                 <a:ext cx="8229600" cy="3096344"/>
               </a:xfrm>
               <a:blipFill>
@@ -17308,7 +17811,10 @@
           <a:bodyPr/>
           <a:lstStyle/>
           <a:p>
-            <a:endParaRPr lang="en-CA"/>
+            <a:r>
+              <a:rPr lang="en-CA" b="1" dirty="0"/>
+              <a:t>Linear model key components</a:t>
+            </a:r>
           </a:p>
         </p:txBody>
       </p:sp>
@@ -17397,14 +17903,14 @@
           <a:lstStyle/>
           <a:p>
             <a:r>
-              <a:rPr lang="en-CA" dirty="0"/>
+              <a:rPr lang="en-CA" b="1" dirty="0"/>
               <a:t>Example: Analysis of Covariance (Interaction)</a:t>
             </a:r>
           </a:p>
         </p:txBody>
       </p:sp>
-      <mc:AlternateContent xmlns:mc="http://schemas.openxmlformats.org/markup-compatibility/2006" xmlns:a14="http://schemas.microsoft.com/office/drawing/2010/main">
-        <mc:Choice Requires="a14">
+      <mc:AlternateContent xmlns:mc="http://schemas.openxmlformats.org/markup-compatibility/2006">
+        <mc:Choice xmlns:a14="http://schemas.microsoft.com/office/drawing/2010/main" Requires="a14">
           <p:sp>
             <p:nvSpPr>
               <p:cNvPr id="3" name="Content Placeholder 2">
@@ -17421,7 +17927,12 @@
                 <p:ph idx="1"/>
               </p:nvPr>
             </p:nvSpPr>
-            <p:spPr/>
+            <p:spPr>
+              <a:xfrm>
+                <a:off x="457200" y="2132856"/>
+                <a:ext cx="8229600" cy="4389437"/>
+              </a:xfrm>
+            </p:spPr>
             <p:txBody>
               <a:bodyPr>
                 <a:normAutofit fontScale="92500" lnSpcReduction="20000"/>
@@ -18142,7 +18653,7 @@
             </p:txBody>
           </p:sp>
         </mc:Choice>
-        <mc:Fallback xmlns="">
+        <mc:Fallback>
           <p:sp>
             <p:nvSpPr>
               <p:cNvPr id="3" name="Content Placeholder 2">
@@ -18160,10 +18671,14 @@
               </p:nvPr>
             </p:nvSpPr>
             <p:spPr>
+              <a:xfrm>
+                <a:off x="457200" y="2132856"/>
+                <a:ext cx="8229600" cy="4389437"/>
+              </a:xfrm>
               <a:blipFill>
                 <a:blip r:embed="rId2"/>
                 <a:stretch>
-                  <a:fillRect l="-1111" t="-2635"/>
+                  <a:fillRect l="-1111" t="-2639"/>
                 </a:stretch>
               </a:blipFill>
             </p:spPr>
@@ -18236,14 +18751,14 @@
           <a:lstStyle/>
           <a:p>
             <a:r>
-              <a:rPr lang="en-CA" dirty="0"/>
+              <a:rPr lang="en-CA" b="1" dirty="0"/>
               <a:t>Example: Analysis of Covariance (Interaction)</a:t>
             </a:r>
           </a:p>
         </p:txBody>
       </p:sp>
-      <mc:AlternateContent xmlns:mc="http://schemas.openxmlformats.org/markup-compatibility/2006" xmlns:a14="http://schemas.microsoft.com/office/drawing/2010/main">
-        <mc:Choice Requires="a14">
+      <mc:AlternateContent xmlns:mc="http://schemas.openxmlformats.org/markup-compatibility/2006">
+        <mc:Choice xmlns:a14="http://schemas.microsoft.com/office/drawing/2010/main" Requires="a14">
           <p:sp>
             <p:nvSpPr>
               <p:cNvPr id="4" name="Rectangle 3">
@@ -18258,8 +18773,8 @@
             </p:nvSpPr>
             <p:spPr>
               <a:xfrm>
-                <a:off x="539552" y="1851628"/>
-                <a:ext cx="7992888" cy="497252"/>
+                <a:off x="502821" y="2754610"/>
+                <a:ext cx="8138356" cy="497252"/>
               </a:xfrm>
               <a:prstGeom prst="rect">
                 <a:avLst/>
@@ -18635,7 +19150,7 @@
             </p:txBody>
           </p:sp>
         </mc:Choice>
-        <mc:Fallback xmlns="">
+        <mc:Fallback>
           <p:sp>
             <p:nvSpPr>
               <p:cNvPr id="4" name="Rectangle 3">
@@ -18652,8 +19167,8 @@
             </p:nvSpPr>
             <p:spPr>
               <a:xfrm>
-                <a:off x="539552" y="1851628"/>
-                <a:ext cx="7992888" cy="497252"/>
+                <a:off x="502821" y="2754610"/>
+                <a:ext cx="8138356" cy="497252"/>
               </a:xfrm>
               <a:prstGeom prst="rect">
                 <a:avLst/>
@@ -18702,7 +19217,7 @@
         </p:blipFill>
         <p:spPr>
           <a:xfrm>
-            <a:off x="576262" y="2924944"/>
+            <a:off x="576262" y="3618706"/>
             <a:ext cx="7991475" cy="2114550"/>
           </a:xfrm>
           <a:prstGeom prst="rect">
@@ -18769,14 +19284,14 @@
           <a:lstStyle/>
           <a:p>
             <a:r>
-              <a:rPr lang="en-CA" dirty="0"/>
+              <a:rPr lang="en-CA" b="1" dirty="0"/>
               <a:t>Example: Analysis of Covariance (Interaction)</a:t>
             </a:r>
           </a:p>
         </p:txBody>
       </p:sp>
-      <mc:AlternateContent xmlns:mc="http://schemas.openxmlformats.org/markup-compatibility/2006" xmlns:a14="http://schemas.microsoft.com/office/drawing/2010/main">
-        <mc:Choice Requires="a14">
+      <mc:AlternateContent xmlns:mc="http://schemas.openxmlformats.org/markup-compatibility/2006">
+        <mc:Choice xmlns:a14="http://schemas.microsoft.com/office/drawing/2010/main" Requires="a14">
           <p:sp>
             <p:nvSpPr>
               <p:cNvPr id="3" name="Content Placeholder 2">
@@ -18795,7 +19310,7 @@
             </p:nvSpPr>
             <p:spPr>
               <a:xfrm>
-                <a:off x="251437" y="1412776"/>
+                <a:off x="251520" y="1903681"/>
                 <a:ext cx="8229600" cy="3096344"/>
               </a:xfrm>
             </p:spPr>
@@ -19346,7 +19861,7 @@
             </p:txBody>
           </p:sp>
         </mc:Choice>
-        <mc:Fallback xmlns="">
+        <mc:Fallback>
           <p:sp>
             <p:nvSpPr>
               <p:cNvPr id="3" name="Content Placeholder 2">
@@ -19365,7 +19880,7 @@
             </p:nvSpPr>
             <p:spPr>
               <a:xfrm>
-                <a:off x="251437" y="1412776"/>
+                <a:off x="251520" y="1903681"/>
                 <a:ext cx="8229600" cy="3096344"/>
               </a:xfrm>
               <a:blipFill>
@@ -19477,7 +19992,7 @@
           <a:lstStyle/>
           <a:p>
             <a:r>
-              <a:rPr lang="en-CA" dirty="0"/>
+              <a:rPr lang="en-CA" b="1" dirty="0"/>
               <a:t>Example: Analysis of Covariance</a:t>
             </a:r>
           </a:p>
@@ -19705,7 +20220,7 @@
           <a:lstStyle/>
           <a:p>
             <a:r>
-              <a:rPr lang="en-CA" dirty="0"/>
+              <a:rPr lang="en-CA" b="1" dirty="0"/>
               <a:t>Summary</a:t>
             </a:r>
           </a:p>
@@ -19729,7 +20244,7 @@
         </p:nvSpPr>
         <p:spPr>
           <a:xfrm>
-            <a:off x="251520" y="1600200"/>
+            <a:off x="251520" y="2332037"/>
             <a:ext cx="8640960" cy="4525963"/>
           </a:xfrm>
         </p:spPr>
@@ -19738,13 +20253,13 @@
           <a:lstStyle/>
           <a:p>
             <a:r>
-              <a:rPr lang="en-US" dirty="0"/>
+              <a:rPr lang="en-US" sz="2800" dirty="0"/>
               <a:t>Briefly reviewed the two key components of linear statistical models: </a:t>
             </a:r>
             <a:br>
-              <a:rPr lang="en-US" dirty="0"/>
+              <a:rPr lang="en-US" sz="2800" dirty="0"/>
             </a:br>
-            <a:endParaRPr lang="en-US" dirty="0"/>
+            <a:endParaRPr lang="en-US" sz="2800" dirty="0"/>
           </a:p>
           <a:p>
             <a:pPr marL="971550" lvl="1" indent="-514350">
@@ -19752,7 +20267,7 @@
               <a:buAutoNum type="arabicPeriod"/>
             </a:pPr>
             <a:r>
-              <a:rPr lang="en-US" dirty="0"/>
+              <a:rPr lang="en-US" sz="2800" dirty="0"/>
               <a:t>Statistical distributions </a:t>
             </a:r>
           </a:p>
@@ -19762,31 +20277,27 @@
               <a:buAutoNum type="arabicPeriod"/>
             </a:pPr>
             <a:r>
-              <a:rPr lang="en-US"/>
-              <a:t>Linear </a:t>
+              <a:rPr lang="en-US" sz="2800" dirty="0"/>
+              <a:t>Linear predictor</a:t>
             </a:r>
             <a:r>
-              <a:rPr lang="en-US" dirty="0"/>
-              <a:t>predictor</a:t>
-            </a:r>
-            <a:r>
-              <a:rPr lang="en-CA" dirty="0"/>
+              <a:rPr lang="en-CA" sz="2800" dirty="0"/>
               <a:t> = </a:t>
             </a:r>
             <a:r>
-              <a:rPr lang="en-US" dirty="0"/>
+              <a:rPr lang="en-US" sz="2800" dirty="0"/>
               <a:t>design matrix * parameter vector</a:t>
             </a:r>
           </a:p>
           <a:p>
-            <a:endParaRPr lang="en-US" dirty="0"/>
+            <a:endParaRPr lang="en-US" sz="2800" dirty="0"/>
           </a:p>
           <a:p>
             <a:r>
-              <a:rPr lang="en-US" dirty="0"/>
+              <a:rPr lang="en-US" sz="2800" dirty="0"/>
               <a:t>Understanding both is essential for applied statistics.</a:t>
             </a:r>
-            <a:endParaRPr lang="en-CA" dirty="0"/>
+            <a:endParaRPr lang="en-CA" sz="2800" dirty="0"/>
           </a:p>
         </p:txBody>
       </p:sp>
@@ -19906,6 +20417,186 @@
   <p:clrMapOvr>
     <a:masterClrMapping/>
   </p:clrMapOvr>
+  <p:timing>
+    <p:tnLst>
+      <p:par>
+        <p:cTn id="1" dur="indefinite" restart="never" nodeType="tmRoot">
+          <p:childTnLst>
+            <p:seq concurrent="1" nextAc="seek">
+              <p:cTn id="2" dur="indefinite" nodeType="mainSeq">
+                <p:childTnLst>
+                  <p:par>
+                    <p:cTn id="3" fill="hold">
+                      <p:stCondLst>
+                        <p:cond delay="indefinite"/>
+                      </p:stCondLst>
+                      <p:childTnLst>
+                        <p:par>
+                          <p:cTn id="4" fill="hold">
+                            <p:stCondLst>
+                              <p:cond delay="0"/>
+                            </p:stCondLst>
+                            <p:childTnLst>
+                              <p:par>
+                                <p:cTn id="5" presetID="1" presetClass="entr" presetSubtype="0" fill="hold" grpId="0" nodeType="clickEffect">
+                                  <p:stCondLst>
+                                    <p:cond delay="0"/>
+                                  </p:stCondLst>
+                                  <p:childTnLst>
+                                    <p:set>
+                                      <p:cBhvr>
+                                        <p:cTn id="6" dur="1" fill="hold">
+                                          <p:stCondLst>
+                                            <p:cond delay="0"/>
+                                          </p:stCondLst>
+                                        </p:cTn>
+                                        <p:tgtEl>
+                                          <p:spTgt spid="3">
+                                            <p:txEl>
+                                              <p:pRg st="0" end="0"/>
+                                            </p:txEl>
+                                          </p:spTgt>
+                                        </p:tgtEl>
+                                        <p:attrNameLst>
+                                          <p:attrName>style.visibility</p:attrName>
+                                        </p:attrNameLst>
+                                      </p:cBhvr>
+                                      <p:to>
+                                        <p:strVal val="visible"/>
+                                      </p:to>
+                                    </p:set>
+                                  </p:childTnLst>
+                                </p:cTn>
+                              </p:par>
+                            </p:childTnLst>
+                          </p:cTn>
+                        </p:par>
+                      </p:childTnLst>
+                    </p:cTn>
+                  </p:par>
+                  <p:par>
+                    <p:cTn id="7" fill="hold">
+                      <p:stCondLst>
+                        <p:cond delay="indefinite"/>
+                      </p:stCondLst>
+                      <p:childTnLst>
+                        <p:par>
+                          <p:cTn id="8" fill="hold">
+                            <p:stCondLst>
+                              <p:cond delay="0"/>
+                            </p:stCondLst>
+                            <p:childTnLst>
+                              <p:par>
+                                <p:cTn id="9" presetID="1" presetClass="entr" presetSubtype="0" fill="hold" grpId="0" nodeType="clickEffect">
+                                  <p:stCondLst>
+                                    <p:cond delay="0"/>
+                                  </p:stCondLst>
+                                  <p:childTnLst>
+                                    <p:set>
+                                      <p:cBhvr>
+                                        <p:cTn id="10" dur="1" fill="hold">
+                                          <p:stCondLst>
+                                            <p:cond delay="0"/>
+                                          </p:stCondLst>
+                                        </p:cTn>
+                                        <p:tgtEl>
+                                          <p:spTgt spid="3">
+                                            <p:txEl>
+                                              <p:pRg st="1" end="1"/>
+                                            </p:txEl>
+                                          </p:spTgt>
+                                        </p:tgtEl>
+                                        <p:attrNameLst>
+                                          <p:attrName>style.visibility</p:attrName>
+                                        </p:attrNameLst>
+                                      </p:cBhvr>
+                                      <p:to>
+                                        <p:strVal val="visible"/>
+                                      </p:to>
+                                    </p:set>
+                                  </p:childTnLst>
+                                </p:cTn>
+                              </p:par>
+                            </p:childTnLst>
+                          </p:cTn>
+                        </p:par>
+                      </p:childTnLst>
+                    </p:cTn>
+                  </p:par>
+                  <p:par>
+                    <p:cTn id="11" fill="hold">
+                      <p:stCondLst>
+                        <p:cond delay="indefinite"/>
+                      </p:stCondLst>
+                      <p:childTnLst>
+                        <p:par>
+                          <p:cTn id="12" fill="hold">
+                            <p:stCondLst>
+                              <p:cond delay="0"/>
+                            </p:stCondLst>
+                            <p:childTnLst>
+                              <p:par>
+                                <p:cTn id="13" presetID="1" presetClass="entr" presetSubtype="0" fill="hold" grpId="0" nodeType="clickEffect">
+                                  <p:stCondLst>
+                                    <p:cond delay="0"/>
+                                  </p:stCondLst>
+                                  <p:childTnLst>
+                                    <p:set>
+                                      <p:cBhvr>
+                                        <p:cTn id="14" dur="1" fill="hold">
+                                          <p:stCondLst>
+                                            <p:cond delay="0"/>
+                                          </p:stCondLst>
+                                        </p:cTn>
+                                        <p:tgtEl>
+                                          <p:spTgt spid="3">
+                                            <p:txEl>
+                                              <p:pRg st="2" end="2"/>
+                                            </p:txEl>
+                                          </p:spTgt>
+                                        </p:tgtEl>
+                                        <p:attrNameLst>
+                                          <p:attrName>style.visibility</p:attrName>
+                                        </p:attrNameLst>
+                                      </p:cBhvr>
+                                      <p:to>
+                                        <p:strVal val="visible"/>
+                                      </p:to>
+                                    </p:set>
+                                  </p:childTnLst>
+                                </p:cTn>
+                              </p:par>
+                            </p:childTnLst>
+                          </p:cTn>
+                        </p:par>
+                      </p:childTnLst>
+                    </p:cTn>
+                  </p:par>
+                </p:childTnLst>
+              </p:cTn>
+              <p:prevCondLst>
+                <p:cond evt="onPrev" delay="0">
+                  <p:tgtEl>
+                    <p:sldTgt/>
+                  </p:tgtEl>
+                </p:cond>
+              </p:prevCondLst>
+              <p:nextCondLst>
+                <p:cond evt="onNext" delay="0">
+                  <p:tgtEl>
+                    <p:sldTgt/>
+                  </p:tgtEl>
+                </p:cond>
+              </p:nextCondLst>
+            </p:seq>
+          </p:childTnLst>
+        </p:cTn>
+      </p:par>
+    </p:tnLst>
+    <p:bldLst>
+      <p:bldP spid="3" grpId="0" build="p"/>
+    </p:bldLst>
+  </p:timing>
 </p:sld>
 </file>
 
@@ -19947,7 +20638,11 @@
           <a:bodyPr/>
           <a:lstStyle/>
           <a:p>
-            <a:endParaRPr lang="en-CA"/>
+            <a:r>
+              <a:rPr lang="en-CA" b="1" dirty="0"/>
+              <a:t>Statistical distributions</a:t>
+            </a:r>
+            <a:endParaRPr lang="en-CA" dirty="0"/>
           </a:p>
         </p:txBody>
       </p:sp>
@@ -20002,6 +20697,88 @@
   <p:clrMapOvr>
     <a:masterClrMapping/>
   </p:clrMapOvr>
+  <p:timing>
+    <p:tnLst>
+      <p:par>
+        <p:cTn id="1" dur="indefinite" restart="never" nodeType="tmRoot">
+          <p:childTnLst>
+            <p:seq concurrent="1" nextAc="seek">
+              <p:cTn id="2" dur="indefinite" nodeType="mainSeq">
+                <p:childTnLst>
+                  <p:par>
+                    <p:cTn id="3" fill="hold">
+                      <p:stCondLst>
+                        <p:cond delay="indefinite"/>
+                      </p:stCondLst>
+                      <p:childTnLst>
+                        <p:par>
+                          <p:cTn id="4" fill="hold">
+                            <p:stCondLst>
+                              <p:cond delay="0"/>
+                            </p:stCondLst>
+                            <p:childTnLst>
+                              <p:par>
+                                <p:cTn id="5" presetID="1" presetClass="entr" presetSubtype="0" fill="hold" grpId="0" nodeType="clickEffect">
+                                  <p:stCondLst>
+                                    <p:cond delay="0"/>
+                                  </p:stCondLst>
+                                  <p:childTnLst>
+                                    <p:set>
+                                      <p:cBhvr>
+                                        <p:cTn id="6" dur="1" fill="hold">
+                                          <p:stCondLst>
+                                            <p:cond delay="0"/>
+                                          </p:stCondLst>
+                                        </p:cTn>
+                                        <p:tgtEl>
+                                          <p:spTgt spid="3">
+                                            <p:txEl>
+                                              <p:pRg st="1" end="1"/>
+                                            </p:txEl>
+                                          </p:spTgt>
+                                        </p:tgtEl>
+                                        <p:attrNameLst>
+                                          <p:attrName>style.visibility</p:attrName>
+                                        </p:attrNameLst>
+                                      </p:cBhvr>
+                                      <p:to>
+                                        <p:strVal val="visible"/>
+                                      </p:to>
+                                    </p:set>
+                                  </p:childTnLst>
+                                </p:cTn>
+                              </p:par>
+                            </p:childTnLst>
+                          </p:cTn>
+                        </p:par>
+                      </p:childTnLst>
+                    </p:cTn>
+                  </p:par>
+                </p:childTnLst>
+              </p:cTn>
+              <p:prevCondLst>
+                <p:cond evt="onPrev" delay="0">
+                  <p:tgtEl>
+                    <p:sldTgt/>
+                  </p:tgtEl>
+                </p:cond>
+              </p:prevCondLst>
+              <p:nextCondLst>
+                <p:cond evt="onNext" delay="0">
+                  <p:tgtEl>
+                    <p:sldTgt/>
+                  </p:tgtEl>
+                </p:cond>
+              </p:nextCondLst>
+            </p:seq>
+          </p:childTnLst>
+        </p:cTn>
+      </p:par>
+    </p:tnLst>
+    <p:bldLst>
+      <p:bldP spid="3" grpId="0" uiExpand="1" build="p"/>
+    </p:bldLst>
+  </p:timing>
 </p:sld>
 </file>
 
@@ -20044,195 +20821,364 @@
           <a:lstStyle/>
           <a:p>
             <a:r>
-              <a:rPr lang="en-CA" dirty="0"/>
+              <a:rPr lang="en-CA" b="1" dirty="0"/>
               <a:t>Normal distribution</a:t>
             </a:r>
           </a:p>
         </p:txBody>
       </p:sp>
-      <mc:AlternateContent xmlns:mc="http://schemas.openxmlformats.org/markup-compatibility/2006" xmlns:a14="http://schemas.microsoft.com/office/drawing/2010/main">
-        <mc:Choice Requires="a14">
-          <p:sp>
-            <p:nvSpPr>
-              <p:cNvPr id="3" name="Content Placeholder 2">
+      <p:sp>
+        <p:nvSpPr>
+          <p:cNvPr id="3" name="Content Placeholder 2">
+            <a:extLst>
+              <a:ext uri="{FF2B5EF4-FFF2-40B4-BE49-F238E27FC236}">
+                <a16:creationId xmlns:a16="http://schemas.microsoft.com/office/drawing/2014/main" id="{D1AA745E-27E4-474D-B6A9-9CC12BD7AFC6}"/>
+              </a:ext>
+            </a:extLst>
+          </p:cNvPr>
+          <p:cNvSpPr>
+            <a:spLocks noGrp="1"/>
+          </p:cNvSpPr>
+          <p:nvPr>
+            <p:ph idx="1"/>
+          </p:nvPr>
+        </p:nvSpPr>
+        <p:spPr/>
+        <p:txBody>
+          <a:bodyPr>
+            <a:normAutofit/>
+          </a:bodyPr>
+          <a:lstStyle/>
+          <a:p>
+            <a:r>
+              <a:rPr lang="en-US" dirty="0"/>
+              <a:t>Mathematical description: It includes two parameters, the mean (location) and standard deviation (spread, average deviation from the mean) or, equivalently, the variance (squared standard deviation).</a:t>
+            </a:r>
+          </a:p>
+          <a:p>
+            <a:endParaRPr lang="en-US" dirty="0"/>
+          </a:p>
+          <a:p>
+            <a:r>
+              <a:rPr lang="en-CA" dirty="0"/>
+              <a:t>Mean and standard deviation:</a:t>
+            </a:r>
+          </a:p>
+          <a:p>
+            <a:endParaRPr lang="en-CA" dirty="0"/>
+          </a:p>
+        </p:txBody>
+      </p:sp>
+      <mc:AlternateContent xmlns:mc="http://schemas.openxmlformats.org/markup-compatibility/2006">
+        <mc:Choice xmlns:a14="http://schemas.microsoft.com/office/drawing/2010/main" Requires="a14">
+          <p:graphicFrame>
+            <p:nvGraphicFramePr>
+              <p:cNvPr id="4" name="Table 3">
                 <a:extLst>
                   <a:ext uri="{FF2B5EF4-FFF2-40B4-BE49-F238E27FC236}">
-                    <a16:creationId xmlns:a16="http://schemas.microsoft.com/office/drawing/2014/main" id="{D1AA745E-27E4-474D-B6A9-9CC12BD7AFC6}"/>
+                    <a16:creationId xmlns:a16="http://schemas.microsoft.com/office/drawing/2014/main" id="{01E80F10-6C15-42D9-9B37-EB757F0A7A70}"/>
                   </a:ext>
                 </a:extLst>
               </p:cNvPr>
-              <p:cNvSpPr>
-                <a:spLocks noGrp="1"/>
-              </p:cNvSpPr>
+              <p:cNvGraphicFramePr>
+                <a:graphicFrameLocks noGrp="1"/>
+              </p:cNvGraphicFramePr>
               <p:nvPr>
-                <p:ph idx="1"/>
+                <p:extLst>
+                  <p:ext uri="{D42A27DB-BD31-4B8C-83A1-F6EECF244321}">
+                    <p14:modId xmlns:p14="http://schemas.microsoft.com/office/powerpoint/2010/main" val="3726077634"/>
+                  </p:ext>
+                </p:extLst>
               </p:nvPr>
-            </p:nvSpPr>
-            <p:spPr/>
-            <p:txBody>
-              <a:bodyPr>
-                <a:normAutofit/>
-              </a:bodyPr>
-              <a:lstStyle/>
-              <a:p>
-                <a:r>
-                  <a:rPr lang="en-US" dirty="0"/>
-                  <a:t>Mathematical description: It includes two parameters, the mean (location) and standard deviation (spread, average deviation from the mean) or, equivalently, the variance (squared standard deviation).</a:t>
-                </a:r>
-              </a:p>
-              <a:p>
-                <a:endParaRPr lang="en-US" dirty="0"/>
-              </a:p>
-              <a:p>
-                <a:r>
-                  <a:rPr lang="en-CA" dirty="0"/>
-                  <a:t>Mean and standard deviation:</a:t>
-                </a:r>
-              </a:p>
-              <a:p>
-                <a:pPr marL="0" indent="0" algn="ctr">
-                  <a:buNone/>
-                </a:pPr>
-                <a14:m>
-                  <m:oMath xmlns:m="http://schemas.openxmlformats.org/officeDocument/2006/math">
-                    <m:r>
-                      <a:rPr lang="en-CA" b="1" i="1" smtClean="0">
-                        <a:latin typeface="Cambria Math" panose="02040503050406030204" pitchFamily="18" charset="0"/>
-                      </a:rPr>
-                      <m:t>𝑬</m:t>
-                    </m:r>
-                    <m:d>
-                      <m:dPr>
-                        <m:ctrlPr>
-                          <a:rPr lang="en-CA" b="1" i="1" smtClean="0">
-                            <a:latin typeface="Cambria Math" panose="02040503050406030204" pitchFamily="18" charset="0"/>
-                          </a:rPr>
-                        </m:ctrlPr>
-                      </m:dPr>
-                      <m:e>
-                        <m:r>
-                          <a:rPr lang="en-CA" b="1" i="1" smtClean="0">
-                            <a:latin typeface="Cambria Math" panose="02040503050406030204" pitchFamily="18" charset="0"/>
-                          </a:rPr>
-                          <m:t>𝒚</m:t>
-                        </m:r>
-                      </m:e>
-                    </m:d>
-                    <m:r>
-                      <a:rPr lang="en-CA" b="1" i="1" smtClean="0">
-                        <a:latin typeface="Cambria Math" panose="02040503050406030204" pitchFamily="18" charset="0"/>
-                      </a:rPr>
-                      <m:t>= </m:t>
-                    </m:r>
-                    <m:r>
-                      <a:rPr lang="en-CA" b="1" i="1" smtClean="0">
-                        <a:latin typeface="Cambria Math" panose="02040503050406030204" pitchFamily="18" charset="0"/>
-                        <a:ea typeface="Cambria Math" panose="02040503050406030204" pitchFamily="18" charset="0"/>
-                      </a:rPr>
-                      <m:t>𝝁</m:t>
-                    </m:r>
-                  </m:oMath>
-                </a14:m>
-                <a:r>
-                  <a:rPr lang="en-CA" b="1" dirty="0"/>
-                  <a:t>  	mean</a:t>
-                </a:r>
-              </a:p>
-              <a:p>
-                <a:pPr marL="0" indent="0" algn="ctr">
-                  <a:buNone/>
-                </a:pPr>
-                <a14:m>
-                  <m:oMath xmlns:m="http://schemas.openxmlformats.org/officeDocument/2006/math">
-                    <m:r>
-                      <a:rPr lang="en-CA" b="1" i="1" smtClean="0">
-                        <a:latin typeface="Cambria Math" panose="02040503050406030204" pitchFamily="18" charset="0"/>
-                      </a:rPr>
-                      <m:t>𝒔𝒅</m:t>
-                    </m:r>
-                    <m:d>
-                      <m:dPr>
-                        <m:ctrlPr>
-                          <a:rPr lang="en-CA" b="1" i="1" smtClean="0">
-                            <a:latin typeface="Cambria Math" panose="02040503050406030204" pitchFamily="18" charset="0"/>
-                          </a:rPr>
-                        </m:ctrlPr>
-                      </m:dPr>
-                      <m:e>
-                        <m:r>
-                          <a:rPr lang="en-CA" b="1" i="1" smtClean="0">
-                            <a:latin typeface="Cambria Math" panose="02040503050406030204" pitchFamily="18" charset="0"/>
-                          </a:rPr>
-                          <m:t>𝒚</m:t>
-                        </m:r>
-                      </m:e>
-                    </m:d>
-                    <m:r>
-                      <a:rPr lang="en-CA" b="1" i="1" smtClean="0">
-                        <a:latin typeface="Cambria Math" panose="02040503050406030204" pitchFamily="18" charset="0"/>
-                      </a:rPr>
-                      <m:t>= </m:t>
-                    </m:r>
-                    <m:r>
-                      <a:rPr lang="en-CA" b="1" i="1" smtClean="0">
-                        <a:latin typeface="Cambria Math" panose="02040503050406030204" pitchFamily="18" charset="0"/>
-                        <a:ea typeface="Cambria Math" panose="02040503050406030204" pitchFamily="18" charset="0"/>
-                      </a:rPr>
-                      <m:t>𝝈</m:t>
-                    </m:r>
-                  </m:oMath>
-                </a14:m>
-                <a:r>
-                  <a:rPr lang="en-CA" b="1" dirty="0"/>
-                  <a:t>	</a:t>
-                </a:r>
-                <a:r>
-                  <a:rPr lang="en-CA" b="1" dirty="0" err="1"/>
-                  <a:t>sd</a:t>
-                </a:r>
-                <a:endParaRPr lang="en-CA" b="1" dirty="0"/>
-              </a:p>
-            </p:txBody>
-          </p:sp>
+            </p:nvGraphicFramePr>
+            <p:xfrm>
+              <a:off x="2555776" y="4653136"/>
+              <a:ext cx="4968552" cy="1036320"/>
+            </p:xfrm>
+            <a:graphic>
+              <a:graphicData uri="http://schemas.openxmlformats.org/drawingml/2006/table">
+                <a:tbl>
+                  <a:tblPr firstRow="1" bandRow="1">
+                    <a:tableStyleId>{2D5ABB26-0587-4C30-8999-92F81FD0307C}</a:tableStyleId>
+                  </a:tblPr>
+                  <a:tblGrid>
+                    <a:gridCol w="2484276">
+                      <a:extLst>
+                        <a:ext uri="{9D8B030D-6E8A-4147-A177-3AD203B41FA5}">
+                          <a16:colId xmlns:a16="http://schemas.microsoft.com/office/drawing/2014/main" val="3789740528"/>
+                        </a:ext>
+                      </a:extLst>
+                    </a:gridCol>
+                    <a:gridCol w="2484276">
+                      <a:extLst>
+                        <a:ext uri="{9D8B030D-6E8A-4147-A177-3AD203B41FA5}">
+                          <a16:colId xmlns:a16="http://schemas.microsoft.com/office/drawing/2014/main" val="4147335620"/>
+                        </a:ext>
+                      </a:extLst>
+                    </a:gridCol>
+                  </a:tblGrid>
+                  <a:tr h="370840">
+                    <a:tc>
+                      <a:txBody>
+                        <a:bodyPr/>
+                        <a:lstStyle/>
+                        <a:p>
+                          <a:pPr algn="r"/>
+                          <a14:m>
+                            <m:oMathPara xmlns:m="http://schemas.openxmlformats.org/officeDocument/2006/math">
+                              <m:oMathParaPr>
+                                <m:jc m:val="centerGroup"/>
+                              </m:oMathParaPr>
+                              <m:oMath xmlns:m="http://schemas.openxmlformats.org/officeDocument/2006/math">
+                                <m:r>
+                                  <a:rPr lang="en-CA" sz="2800" smtClean="0"/>
+                                  <m:t>𝑬</m:t>
+                                </m:r>
+                                <m:d>
+                                  <m:dPr>
+                                    <m:ctrlPr>
+                                      <a:rPr lang="en-CA" sz="2800" smtClean="0"/>
+                                    </m:ctrlPr>
+                                  </m:dPr>
+                                  <m:e>
+                                    <m:r>
+                                      <a:rPr lang="en-CA" sz="2800" smtClean="0"/>
+                                      <m:t>𝒚</m:t>
+                                    </m:r>
+                                  </m:e>
+                                </m:d>
+                                <m:r>
+                                  <a:rPr lang="en-CA" sz="2800" smtClean="0"/>
+                                  <m:t>= </m:t>
+                                </m:r>
+                                <m:r>
+                                  <a:rPr lang="en-CA" sz="2800" smtClean="0"/>
+                                  <m:t>𝝁</m:t>
+                                </m:r>
+                              </m:oMath>
+                            </m:oMathPara>
+                          </a14:m>
+                          <a:endParaRPr lang="en-CA" sz="2800" dirty="0"/>
+                        </a:p>
+                      </a:txBody>
+                      <a:tcPr/>
+                    </a:tc>
+                    <a:tc>
+                      <a:txBody>
+                        <a:bodyPr/>
+                        <a:lstStyle/>
+                        <a:p>
+                          <a:r>
+                            <a:rPr lang="en-CA" sz="2800" dirty="0"/>
+                            <a:t>mean</a:t>
+                          </a:r>
+                        </a:p>
+                      </a:txBody>
+                      <a:tcPr/>
+                    </a:tc>
+                    <a:extLst>
+                      <a:ext uri="{0D108BD9-81ED-4DB2-BD59-A6C34878D82A}">
+                        <a16:rowId xmlns:a16="http://schemas.microsoft.com/office/drawing/2014/main" val="894962395"/>
+                      </a:ext>
+                    </a:extLst>
+                  </a:tr>
+                  <a:tr h="370840">
+                    <a:tc>
+                      <a:txBody>
+                        <a:bodyPr/>
+                        <a:lstStyle/>
+                        <a:p>
+                          <a:pPr algn="r"/>
+                          <a14:m>
+                            <m:oMathPara xmlns:m="http://schemas.openxmlformats.org/officeDocument/2006/math">
+                              <m:oMathParaPr>
+                                <m:jc m:val="centerGroup"/>
+                              </m:oMathParaPr>
+                              <m:oMath xmlns:m="http://schemas.openxmlformats.org/officeDocument/2006/math">
+                                <m:r>
+                                  <a:rPr lang="en-CA" sz="2800" smtClean="0"/>
+                                  <m:t>𝒔𝒅</m:t>
+                                </m:r>
+                                <m:d>
+                                  <m:dPr>
+                                    <m:ctrlPr>
+                                      <a:rPr lang="en-CA" sz="2800" smtClean="0"/>
+                                    </m:ctrlPr>
+                                  </m:dPr>
+                                  <m:e>
+                                    <m:r>
+                                      <a:rPr lang="en-CA" sz="2800" smtClean="0"/>
+                                      <m:t>𝒚</m:t>
+                                    </m:r>
+                                  </m:e>
+                                </m:d>
+                                <m:r>
+                                  <a:rPr lang="en-CA" sz="2800" smtClean="0"/>
+                                  <m:t>= </m:t>
+                                </m:r>
+                                <m:r>
+                                  <a:rPr lang="en-CA" sz="2800" smtClean="0"/>
+                                  <m:t>𝝈</m:t>
+                                </m:r>
+                              </m:oMath>
+                            </m:oMathPara>
+                          </a14:m>
+                          <a:endParaRPr lang="en-CA" sz="2800" dirty="0"/>
+                        </a:p>
+                      </a:txBody>
+                      <a:tcPr/>
+                    </a:tc>
+                    <a:tc>
+                      <a:txBody>
+                        <a:bodyPr/>
+                        <a:lstStyle/>
+                        <a:p>
+                          <a:r>
+                            <a:rPr lang="en-CA" sz="2800" dirty="0" err="1"/>
+                            <a:t>sd</a:t>
+                          </a:r>
+                          <a:endParaRPr lang="en-CA" sz="2800" dirty="0"/>
+                        </a:p>
+                      </a:txBody>
+                      <a:tcPr/>
+                    </a:tc>
+                    <a:extLst>
+                      <a:ext uri="{0D108BD9-81ED-4DB2-BD59-A6C34878D82A}">
+                        <a16:rowId xmlns:a16="http://schemas.microsoft.com/office/drawing/2014/main" val="32951374"/>
+                      </a:ext>
+                    </a:extLst>
+                  </a:tr>
+                </a:tbl>
+              </a:graphicData>
+            </a:graphic>
+          </p:graphicFrame>
         </mc:Choice>
-        <mc:Fallback xmlns="">
-          <p:sp>
-            <p:nvSpPr>
-              <p:cNvPr id="3" name="Content Placeholder 2">
+        <mc:Fallback>
+          <p:graphicFrame>
+            <p:nvGraphicFramePr>
+              <p:cNvPr id="4" name="Table 3">
                 <a:extLst>
                   <a:ext uri="{FF2B5EF4-FFF2-40B4-BE49-F238E27FC236}">
-                    <a16:creationId xmlns:a16="http://schemas.microsoft.com/office/drawing/2014/main" id="{D1AA745E-27E4-474D-B6A9-9CC12BD7AFC6}"/>
+                    <a16:creationId xmlns:a16="http://schemas.microsoft.com/office/drawing/2014/main" id="{01E80F10-6C15-42D9-9B37-EB757F0A7A70}"/>
                   </a:ext>
                 </a:extLst>
               </p:cNvPr>
-              <p:cNvSpPr>
-                <a:spLocks noGrp="1" noRot="1" noChangeAspect="1" noMove="1" noResize="1" noEditPoints="1" noAdjustHandles="1" noChangeArrowheads="1" noChangeShapeType="1" noTextEdit="1"/>
-              </p:cNvSpPr>
+              <p:cNvGraphicFramePr>
+                <a:graphicFrameLocks noGrp="1"/>
+              </p:cNvGraphicFramePr>
               <p:nvPr>
-                <p:ph idx="1"/>
+                <p:extLst>
+                  <p:ext uri="{D42A27DB-BD31-4B8C-83A1-F6EECF244321}">
+                    <p14:modId xmlns:p14="http://schemas.microsoft.com/office/powerpoint/2010/main" val="3726077634"/>
+                  </p:ext>
+                </p:extLst>
               </p:nvPr>
-            </p:nvSpPr>
-            <p:spPr>
-              <a:blipFill>
-                <a:blip r:embed="rId2"/>
-                <a:stretch>
-                  <a:fillRect l="-889" t="-1110" r="-1185"/>
-                </a:stretch>
-              </a:blipFill>
-            </p:spPr>
-            <p:txBody>
-              <a:bodyPr/>
-              <a:lstStyle/>
-              <a:p>
-                <a:r>
-                  <a:rPr lang="en-CA">
-                    <a:noFill/>
-                  </a:rPr>
-                  <a:t> </a:t>
-                </a:r>
-              </a:p>
-            </p:txBody>
-          </p:sp>
+            </p:nvGraphicFramePr>
+            <p:xfrm>
+              <a:off x="2555776" y="4653136"/>
+              <a:ext cx="4968552" cy="1036320"/>
+            </p:xfrm>
+            <a:graphic>
+              <a:graphicData uri="http://schemas.openxmlformats.org/drawingml/2006/table">
+                <a:tbl>
+                  <a:tblPr firstRow="1" bandRow="1">
+                    <a:tableStyleId>{2D5ABB26-0587-4C30-8999-92F81FD0307C}</a:tableStyleId>
+                  </a:tblPr>
+                  <a:tblGrid>
+                    <a:gridCol w="2484276">
+                      <a:extLst>
+                        <a:ext uri="{9D8B030D-6E8A-4147-A177-3AD203B41FA5}">
+                          <a16:colId xmlns:a16="http://schemas.microsoft.com/office/drawing/2014/main" val="3789740528"/>
+                        </a:ext>
+                      </a:extLst>
+                    </a:gridCol>
+                    <a:gridCol w="2484276">
+                      <a:extLst>
+                        <a:ext uri="{9D8B030D-6E8A-4147-A177-3AD203B41FA5}">
+                          <a16:colId xmlns:a16="http://schemas.microsoft.com/office/drawing/2014/main" val="4147335620"/>
+                        </a:ext>
+                      </a:extLst>
+                    </a:gridCol>
+                  </a:tblGrid>
+                  <a:tr h="518160">
+                    <a:tc>
+                      <a:txBody>
+                        <a:bodyPr/>
+                        <a:lstStyle/>
+                        <a:p>
+                          <a:endParaRPr lang="en-US"/>
+                        </a:p>
+                      </a:txBody>
+                      <a:tcPr>
+                        <a:blipFill>
+                          <a:blip r:embed="rId2"/>
+                          <a:stretch>
+                            <a:fillRect t="-10465" r="-100000" b="-131395"/>
+                          </a:stretch>
+                        </a:blipFill>
+                      </a:tcPr>
+                    </a:tc>
+                    <a:tc>
+                      <a:txBody>
+                        <a:bodyPr/>
+                        <a:lstStyle/>
+                        <a:p>
+                          <a:r>
+                            <a:rPr lang="en-CA" sz="2800" dirty="0"/>
+                            <a:t>mean</a:t>
+                          </a:r>
+                        </a:p>
+                      </a:txBody>
+                      <a:tcPr/>
+                    </a:tc>
+                    <a:extLst>
+                      <a:ext uri="{0D108BD9-81ED-4DB2-BD59-A6C34878D82A}">
+                        <a16:rowId xmlns:a16="http://schemas.microsoft.com/office/drawing/2014/main" val="894962395"/>
+                      </a:ext>
+                    </a:extLst>
+                  </a:tr>
+                  <a:tr h="518160">
+                    <a:tc>
+                      <a:txBody>
+                        <a:bodyPr/>
+                        <a:lstStyle/>
+                        <a:p>
+                          <a:endParaRPr lang="en-US"/>
+                        </a:p>
+                      </a:txBody>
+                      <a:tcPr>
+                        <a:blipFill>
+                          <a:blip r:embed="rId2"/>
+                          <a:stretch>
+                            <a:fillRect t="-111765" r="-100000" b="-32941"/>
+                          </a:stretch>
+                        </a:blipFill>
+                      </a:tcPr>
+                    </a:tc>
+                    <a:tc>
+                      <a:txBody>
+                        <a:bodyPr/>
+                        <a:lstStyle/>
+                        <a:p>
+                          <a:r>
+                            <a:rPr lang="en-CA" sz="2800" dirty="0" err="1"/>
+                            <a:t>sd</a:t>
+                          </a:r>
+                          <a:endParaRPr lang="en-CA" sz="2800" dirty="0"/>
+                        </a:p>
+                      </a:txBody>
+                      <a:tcPr/>
+                    </a:tc>
+                    <a:extLst>
+                      <a:ext uri="{0D108BD9-81ED-4DB2-BD59-A6C34878D82A}">
+                        <a16:rowId xmlns:a16="http://schemas.microsoft.com/office/drawing/2014/main" val="32951374"/>
+                      </a:ext>
+                    </a:extLst>
+                  </a:tr>
+                </a:tbl>
+              </a:graphicData>
+            </a:graphic>
+          </p:graphicFrame>
         </mc:Fallback>
       </mc:AlternateContent>
     </p:spTree>
@@ -20281,13 +21227,18 @@
             <p:ph type="title"/>
           </p:nvPr>
         </p:nvSpPr>
-        <p:spPr/>
+        <p:spPr>
+          <a:xfrm>
+            <a:off x="457200" y="473546"/>
+            <a:ext cx="8229600" cy="1143000"/>
+          </a:xfrm>
+        </p:spPr>
         <p:txBody>
           <a:bodyPr/>
           <a:lstStyle/>
           <a:p>
             <a:r>
-              <a:rPr lang="en-CA" dirty="0"/>
+              <a:rPr lang="en-CA" b="1" dirty="0"/>
               <a:t>Normal distribution</a:t>
             </a:r>
           </a:p>
@@ -20309,7 +21260,12 @@
             <p:ph idx="1"/>
           </p:nvPr>
         </p:nvSpPr>
-        <p:spPr/>
+        <p:spPr>
+          <a:xfrm>
+            <a:off x="457200" y="1703859"/>
+            <a:ext cx="8229600" cy="4389437"/>
+          </a:xfrm>
+        </p:spPr>
         <p:txBody>
           <a:bodyPr>
             <a:normAutofit/>
@@ -20439,7 +21395,7 @@
         </p:blipFill>
         <p:spPr>
           <a:xfrm>
-            <a:off x="3131840" y="3294351"/>
+            <a:off x="3347864" y="3409637"/>
             <a:ext cx="5086864" cy="3259832"/>
           </a:xfrm>
           <a:prstGeom prst="rect">
@@ -20504,7 +21460,7 @@
           <a:lstStyle/>
           <a:p>
             <a:r>
-              <a:rPr lang="en-CA" dirty="0"/>
+              <a:rPr lang="en-CA" b="1" dirty="0"/>
               <a:t>Continuous uniform distribution</a:t>
             </a:r>
           </a:p>

--- a/ppts/Topic 3 Key Components of (Generalized) Linear Models.pptx
+++ b/ppts/Topic 3 Key Components of (Generalized) Linear Models.pptx
@@ -5004,8 +5004,8 @@
           </a:p>
         </p:txBody>
       </p:sp>
-      <mc:AlternateContent xmlns:mc="http://schemas.openxmlformats.org/markup-compatibility/2006">
-        <mc:Choice xmlns:a14="http://schemas.microsoft.com/office/drawing/2010/main" Requires="a14">
+      <mc:AlternateContent xmlns:mc="http://schemas.openxmlformats.org/markup-compatibility/2006" xmlns:a14="http://schemas.microsoft.com/office/drawing/2010/main">
+        <mc:Choice Requires="a14">
           <p:sp>
             <p:nvSpPr>
               <p:cNvPr id="3" name="Content Placeholder 2">
@@ -5214,7 +5214,7 @@
             </p:txBody>
           </p:sp>
         </mc:Choice>
-        <mc:Fallback>
+        <mc:Fallback xmlns="">
           <p:sp>
             <p:nvSpPr>
               <p:cNvPr id="3" name="Content Placeholder 2">
@@ -5746,8 +5746,8 @@
           </a:p>
         </p:txBody>
       </p:sp>
-      <mc:AlternateContent xmlns:mc="http://schemas.openxmlformats.org/markup-compatibility/2006">
-        <mc:Choice xmlns:a14="http://schemas.microsoft.com/office/drawing/2010/main" Requires="a14">
+      <mc:AlternateContent xmlns:mc="http://schemas.openxmlformats.org/markup-compatibility/2006" xmlns:a14="http://schemas.microsoft.com/office/drawing/2010/main">
+        <mc:Choice Requires="a14">
           <p:sp>
             <p:nvSpPr>
               <p:cNvPr id="3" name="Content Placeholder 2">
@@ -5900,7 +5900,7 @@
             </p:txBody>
           </p:sp>
         </mc:Choice>
-        <mc:Fallback>
+        <mc:Fallback xmlns="">
           <p:sp>
             <p:nvSpPr>
               <p:cNvPr id="3" name="Content Placeholder 2">
@@ -8123,8 +8123,8 @@
           </a:ln>
         </p:spPr>
       </p:pic>
-      <mc:AlternateContent xmlns:mc="http://schemas.openxmlformats.org/markup-compatibility/2006">
-        <mc:Choice xmlns:a14="http://schemas.microsoft.com/office/drawing/2010/main" Requires="a14">
+      <mc:AlternateContent xmlns:mc="http://schemas.openxmlformats.org/markup-compatibility/2006" xmlns:a14="http://schemas.microsoft.com/office/drawing/2010/main">
+        <mc:Choice Requires="a14">
           <p:sp>
             <p:nvSpPr>
               <p:cNvPr id="7" name="TextBox 6">
@@ -8179,14 +8179,14 @@
                       <m:sSubPr>
                         <m:ctrlPr>
                           <a:rPr lang="en-US" i="1" dirty="0" smtClean="0">
-                            <a:latin typeface="+mj-lt"/>
+                            <a:latin typeface="Cambria Math" panose="02040503050406030204" pitchFamily="18" charset="0"/>
                           </a:rPr>
                         </m:ctrlPr>
                       </m:sSubPr>
                       <m:e>
                         <m:r>
                           <a:rPr lang="en-US" i="1" dirty="0">
-                            <a:latin typeface="+mj-lt"/>
+                            <a:latin typeface="Cambria Math" panose="02040503050406030204" pitchFamily="18" charset="0"/>
                           </a:rPr>
                           <m:t>𝜀</m:t>
                         </m:r>
@@ -8194,7 +8194,7 @@
                       <m:sub>
                         <m:r>
                           <a:rPr lang="en-CA" b="0" i="1" dirty="0" smtClean="0">
-                            <a:latin typeface="+mj-lt"/>
+                            <a:latin typeface="Cambria Math" panose="02040503050406030204" pitchFamily="18" charset="0"/>
                           </a:rPr>
                           <m:t>𝑖</m:t>
                         </m:r>
@@ -8250,7 +8250,7 @@
             </p:txBody>
           </p:sp>
         </mc:Choice>
-        <mc:Fallback>
+        <mc:Fallback xmlns="">
           <p:sp>
             <p:nvSpPr>
               <p:cNvPr id="7" name="TextBox 6">
@@ -10997,8 +10997,8 @@
           </a:p>
         </p:txBody>
       </p:sp>
-      <mc:AlternateContent xmlns:mc="http://schemas.openxmlformats.org/markup-compatibility/2006">
-        <mc:Choice xmlns:a14="http://schemas.microsoft.com/office/drawing/2010/main" Requires="a14">
+      <mc:AlternateContent xmlns:mc="http://schemas.openxmlformats.org/markup-compatibility/2006" xmlns:a14="http://schemas.microsoft.com/office/drawing/2010/main">
+        <mc:Choice Requires="a14">
           <p:sp>
             <p:nvSpPr>
               <p:cNvPr id="3" name="Content Placeholder 2">
@@ -11423,7 +11423,7 @@
             </p:txBody>
           </p:sp>
         </mc:Choice>
-        <mc:Fallback>
+        <mc:Fallback xmlns="">
           <p:sp>
             <p:nvSpPr>
               <p:cNvPr id="3" name="Content Placeholder 2">
@@ -11806,8 +11806,8 @@
           </a:p>
         </p:txBody>
       </p:sp>
-      <mc:AlternateContent xmlns:mc="http://schemas.openxmlformats.org/markup-compatibility/2006">
-        <mc:Choice xmlns:a14="http://schemas.microsoft.com/office/drawing/2010/main" Requires="a14">
+      <mc:AlternateContent xmlns:mc="http://schemas.openxmlformats.org/markup-compatibility/2006" xmlns:a14="http://schemas.microsoft.com/office/drawing/2010/main">
+        <mc:Choice Requires="a14">
           <p:sp>
             <p:nvSpPr>
               <p:cNvPr id="3" name="Content Placeholder 2">
@@ -12234,7 +12234,7 @@
             </p:txBody>
           </p:sp>
         </mc:Choice>
-        <mc:Fallback>
+        <mc:Fallback xmlns="">
           <p:sp>
             <p:nvSpPr>
               <p:cNvPr id="3" name="Content Placeholder 2">
@@ -13584,8 +13584,8 @@
           </a:p>
         </p:txBody>
       </p:sp>
-      <mc:AlternateContent xmlns:mc="http://schemas.openxmlformats.org/markup-compatibility/2006">
-        <mc:Choice xmlns:a14="http://schemas.microsoft.com/office/drawing/2010/main" Requires="a14">
+      <mc:AlternateContent xmlns:mc="http://schemas.openxmlformats.org/markup-compatibility/2006" xmlns:a14="http://schemas.microsoft.com/office/drawing/2010/main">
+        <mc:Choice Requires="a14">
           <p:sp>
             <p:nvSpPr>
               <p:cNvPr id="3" name="Content Placeholder 2">
@@ -14073,7 +14073,7 @@
             </p:txBody>
           </p:sp>
         </mc:Choice>
-        <mc:Fallback>
+        <mc:Fallback xmlns="">
           <p:sp>
             <p:nvSpPr>
               <p:cNvPr id="3" name="Content Placeholder 2">
@@ -14964,8 +14964,8 @@
           </a:ln>
         </p:spPr>
       </p:pic>
-      <mc:AlternateContent xmlns:mc="http://schemas.openxmlformats.org/markup-compatibility/2006">
-        <mc:Choice xmlns:a14="http://schemas.microsoft.com/office/drawing/2010/main" Requires="a14">
+      <mc:AlternateContent xmlns:mc="http://schemas.openxmlformats.org/markup-compatibility/2006" xmlns:a14="http://schemas.microsoft.com/office/drawing/2010/main">
+        <mc:Choice Requires="a14">
           <p:sp>
             <p:nvSpPr>
               <p:cNvPr id="6" name="Rectangle 5">
@@ -15266,7 +15266,7 @@
             </p:txBody>
           </p:sp>
         </mc:Choice>
-        <mc:Fallback>
+        <mc:Fallback xmlns="">
           <p:sp>
             <p:nvSpPr>
               <p:cNvPr id="6" name="Rectangle 5">
@@ -15458,8 +15458,8 @@
           </a:p>
         </p:txBody>
       </p:sp>
-      <mc:AlternateContent xmlns:mc="http://schemas.openxmlformats.org/markup-compatibility/2006">
-        <mc:Choice xmlns:a14="http://schemas.microsoft.com/office/drawing/2010/main" Requires="a14">
+      <mc:AlternateContent xmlns:mc="http://schemas.openxmlformats.org/markup-compatibility/2006" xmlns:a14="http://schemas.microsoft.com/office/drawing/2010/main">
+        <mc:Choice Requires="a14">
           <p:sp>
             <p:nvSpPr>
               <p:cNvPr id="3" name="Content Placeholder 2">
@@ -15977,7 +15977,7 @@
             </p:txBody>
           </p:sp>
         </mc:Choice>
-        <mc:Fallback>
+        <mc:Fallback xmlns="">
           <p:sp>
             <p:nvSpPr>
               <p:cNvPr id="3" name="Content Placeholder 2">
@@ -16783,8 +16783,8 @@
           </a:p>
         </p:txBody>
       </p:sp>
-      <mc:AlternateContent xmlns:mc="http://schemas.openxmlformats.org/markup-compatibility/2006">
-        <mc:Choice xmlns:a14="http://schemas.microsoft.com/office/drawing/2010/main" Requires="a14">
+      <mc:AlternateContent xmlns:mc="http://schemas.openxmlformats.org/markup-compatibility/2006" xmlns:a14="http://schemas.microsoft.com/office/drawing/2010/main">
+        <mc:Choice Requires="a14">
           <p:sp>
             <p:nvSpPr>
               <p:cNvPr id="6" name="Rectangle 5">
@@ -17048,7 +17048,7 @@
             </p:txBody>
           </p:sp>
         </mc:Choice>
-        <mc:Fallback>
+        <mc:Fallback xmlns="">
           <p:sp>
             <p:nvSpPr>
               <p:cNvPr id="6" name="Rectangle 5">
@@ -17188,8 +17188,8 @@
           </a:p>
         </p:txBody>
       </p:sp>
-      <mc:AlternateContent xmlns:mc="http://schemas.openxmlformats.org/markup-compatibility/2006">
-        <mc:Choice xmlns:a14="http://schemas.microsoft.com/office/drawing/2010/main" Requires="a14">
+      <mc:AlternateContent xmlns:mc="http://schemas.openxmlformats.org/markup-compatibility/2006" xmlns:a14="http://schemas.microsoft.com/office/drawing/2010/main">
+        <mc:Choice Requires="a14">
           <p:sp>
             <p:nvSpPr>
               <p:cNvPr id="3" name="Content Placeholder 2">
@@ -17681,7 +17681,7 @@
             </p:txBody>
           </p:sp>
         </mc:Choice>
-        <mc:Fallback>
+        <mc:Fallback xmlns="">
           <p:sp>
             <p:nvSpPr>
               <p:cNvPr id="3" name="Content Placeholder 2">
@@ -17909,8 +17909,8 @@
           </a:p>
         </p:txBody>
       </p:sp>
-      <mc:AlternateContent xmlns:mc="http://schemas.openxmlformats.org/markup-compatibility/2006">
-        <mc:Choice xmlns:a14="http://schemas.microsoft.com/office/drawing/2010/main" Requires="a14">
+      <mc:AlternateContent xmlns:mc="http://schemas.openxmlformats.org/markup-compatibility/2006" xmlns:a14="http://schemas.microsoft.com/office/drawing/2010/main">
+        <mc:Choice Requires="a14">
           <p:sp>
             <p:nvSpPr>
               <p:cNvPr id="3" name="Content Placeholder 2">
@@ -18653,7 +18653,7 @@
             </p:txBody>
           </p:sp>
         </mc:Choice>
-        <mc:Fallback>
+        <mc:Fallback xmlns="">
           <p:sp>
             <p:nvSpPr>
               <p:cNvPr id="3" name="Content Placeholder 2">
@@ -18757,8 +18757,8 @@
           </a:p>
         </p:txBody>
       </p:sp>
-      <mc:AlternateContent xmlns:mc="http://schemas.openxmlformats.org/markup-compatibility/2006">
-        <mc:Choice xmlns:a14="http://schemas.microsoft.com/office/drawing/2010/main" Requires="a14">
+      <mc:AlternateContent xmlns:mc="http://schemas.openxmlformats.org/markup-compatibility/2006" xmlns:a14="http://schemas.microsoft.com/office/drawing/2010/main">
+        <mc:Choice Requires="a14">
           <p:sp>
             <p:nvSpPr>
               <p:cNvPr id="4" name="Rectangle 3">
@@ -19150,7 +19150,7 @@
             </p:txBody>
           </p:sp>
         </mc:Choice>
-        <mc:Fallback>
+        <mc:Fallback xmlns="">
           <p:sp>
             <p:nvSpPr>
               <p:cNvPr id="4" name="Rectangle 3">
@@ -19290,8 +19290,8 @@
           </a:p>
         </p:txBody>
       </p:sp>
-      <mc:AlternateContent xmlns:mc="http://schemas.openxmlformats.org/markup-compatibility/2006">
-        <mc:Choice xmlns:a14="http://schemas.microsoft.com/office/drawing/2010/main" Requires="a14">
+      <mc:AlternateContent xmlns:mc="http://schemas.openxmlformats.org/markup-compatibility/2006" xmlns:a14="http://schemas.microsoft.com/office/drawing/2010/main">
+        <mc:Choice Requires="a14">
           <p:sp>
             <p:nvSpPr>
               <p:cNvPr id="3" name="Content Placeholder 2">
@@ -19861,7 +19861,7 @@
             </p:txBody>
           </p:sp>
         </mc:Choice>
-        <mc:Fallback>
+        <mc:Fallback xmlns="">
           <p:sp>
             <p:nvSpPr>
               <p:cNvPr id="3" name="Content Placeholder 2">
@@ -20000,10 +20000,10 @@
       </p:sp>
       <p:sp>
         <p:nvSpPr>
-          <p:cNvPr id="3" name="Content Placeholder 2">
+          <p:cNvPr id="10" name="Content Placeholder 9">
             <a:extLst>
               <a:ext uri="{FF2B5EF4-FFF2-40B4-BE49-F238E27FC236}">
-                <a16:creationId xmlns:a16="http://schemas.microsoft.com/office/drawing/2014/main" id="{FFC80B66-D220-4960-8657-51458B512A48}"/>
+                <a16:creationId xmlns:a16="http://schemas.microsoft.com/office/drawing/2014/main" id="{C2A88CBF-9023-4D9B-8712-C223A234FBA6}"/>
               </a:ext>
             </a:extLst>
           </p:cNvPr>
@@ -20025,10 +20025,10 @@
       </p:sp>
       <p:pic>
         <p:nvPicPr>
-          <p:cNvPr id="7" name="Picture 6">
+          <p:cNvPr id="11" name="Picture 10">
             <a:extLst>
               <a:ext uri="{FF2B5EF4-FFF2-40B4-BE49-F238E27FC236}">
-                <a16:creationId xmlns:a16="http://schemas.microsoft.com/office/drawing/2014/main" id="{2FB17747-8277-4C90-9F3C-DB572F00A694}"/>
+                <a16:creationId xmlns:a16="http://schemas.microsoft.com/office/drawing/2014/main" id="{F541EFCD-7AB8-461E-8D1E-11658E366BB0}"/>
               </a:ext>
             </a:extLst>
           </p:cNvPr>
@@ -20045,8 +20045,8 @@
         </p:blipFill>
         <p:spPr>
           <a:xfrm>
-            <a:off x="147611" y="1801275"/>
-            <a:ext cx="4352381" cy="4123809"/>
+            <a:off x="4572000" y="1916832"/>
+            <a:ext cx="4628571" cy="4457143"/>
           </a:xfrm>
           <a:prstGeom prst="rect">
             <a:avLst/>
@@ -20060,10 +20060,10 @@
       </p:pic>
       <p:pic>
         <p:nvPicPr>
-          <p:cNvPr id="8" name="Picture 7">
+          <p:cNvPr id="12" name="Picture 11">
             <a:extLst>
               <a:ext uri="{FF2B5EF4-FFF2-40B4-BE49-F238E27FC236}">
-                <a16:creationId xmlns:a16="http://schemas.microsoft.com/office/drawing/2014/main" id="{AE330F61-B983-4C55-A8CE-0307CDC77A35}"/>
+                <a16:creationId xmlns:a16="http://schemas.microsoft.com/office/drawing/2014/main" id="{6659210C-F22F-4B4B-869B-33C5C0135196}"/>
               </a:ext>
             </a:extLst>
           </p:cNvPr>
@@ -20080,8 +20080,8 @@
         </p:blipFill>
         <p:spPr>
           <a:xfrm>
-            <a:off x="4612107" y="1801275"/>
-            <a:ext cx="4352381" cy="4123809"/>
+            <a:off x="-56571" y="1916832"/>
+            <a:ext cx="4628571" cy="4457143"/>
           </a:xfrm>
           <a:prstGeom prst="rect">
             <a:avLst/>
@@ -20137,7 +20137,7 @@
                                           </p:stCondLst>
                                         </p:cTn>
                                         <p:tgtEl>
-                                          <p:spTgt spid="8"/>
+                                          <p:spTgt spid="11"/>
                                         </p:tgtEl>
                                         <p:attrNameLst>
                                           <p:attrName>style.visibility</p:attrName>
@@ -20869,8 +20869,8 @@
           </a:p>
         </p:txBody>
       </p:sp>
-      <mc:AlternateContent xmlns:mc="http://schemas.openxmlformats.org/markup-compatibility/2006">
-        <mc:Choice xmlns:a14="http://schemas.microsoft.com/office/drawing/2010/main" Requires="a14">
+      <mc:AlternateContent xmlns:mc="http://schemas.openxmlformats.org/markup-compatibility/2006" xmlns:a14="http://schemas.microsoft.com/office/drawing/2010/main">
+        <mc:Choice Requires="a14">
           <p:graphicFrame>
             <p:nvGraphicFramePr>
               <p:cNvPr id="4" name="Table 3">
@@ -20931,28 +20931,38 @@
                               </m:oMathParaPr>
                               <m:oMath xmlns:m="http://schemas.openxmlformats.org/officeDocument/2006/math">
                                 <m:r>
-                                  <a:rPr lang="en-CA" sz="2800" smtClean="0"/>
+                                  <a:rPr lang="en-CA" sz="2800" smtClean="0">
+                                    <a:latin typeface="Cambria Math" panose="02040503050406030204" pitchFamily="18" charset="0"/>
+                                  </a:rPr>
                                   <m:t>𝑬</m:t>
                                 </m:r>
                                 <m:d>
                                   <m:dPr>
                                     <m:ctrlPr>
-                                      <a:rPr lang="en-CA" sz="2800" smtClean="0"/>
+                                      <a:rPr lang="en-CA" sz="2800" i="1" smtClean="0">
+                                        <a:latin typeface="Cambria Math" panose="02040503050406030204" pitchFamily="18" charset="0"/>
+                                      </a:rPr>
                                     </m:ctrlPr>
                                   </m:dPr>
                                   <m:e>
                                     <m:r>
-                                      <a:rPr lang="en-CA" sz="2800" smtClean="0"/>
+                                      <a:rPr lang="en-CA" sz="2800" smtClean="0">
+                                        <a:latin typeface="Cambria Math" panose="02040503050406030204" pitchFamily="18" charset="0"/>
+                                      </a:rPr>
                                       <m:t>𝒚</m:t>
                                     </m:r>
                                   </m:e>
                                 </m:d>
                                 <m:r>
-                                  <a:rPr lang="en-CA" sz="2800" smtClean="0"/>
+                                  <a:rPr lang="en-CA" sz="2800" smtClean="0">
+                                    <a:latin typeface="Cambria Math" panose="02040503050406030204" pitchFamily="18" charset="0"/>
+                                  </a:rPr>
                                   <m:t>= </m:t>
                                 </m:r>
                                 <m:r>
-                                  <a:rPr lang="en-CA" sz="2800" smtClean="0"/>
+                                  <a:rPr lang="en-CA" sz="2800" smtClean="0">
+                                    <a:latin typeface="Cambria Math" panose="02040503050406030204" pitchFamily="18" charset="0"/>
+                                  </a:rPr>
                                   <m:t>𝝁</m:t>
                                 </m:r>
                               </m:oMath>
@@ -20996,28 +21006,38 @@
                               </m:oMathParaPr>
                               <m:oMath xmlns:m="http://schemas.openxmlformats.org/officeDocument/2006/math">
                                 <m:r>
-                                  <a:rPr lang="en-CA" sz="2800" smtClean="0"/>
+                                  <a:rPr lang="en-CA" sz="2800" smtClean="0">
+                                    <a:latin typeface="Cambria Math" panose="02040503050406030204" pitchFamily="18" charset="0"/>
+                                  </a:rPr>
                                   <m:t>𝒔𝒅</m:t>
                                 </m:r>
                                 <m:d>
                                   <m:dPr>
                                     <m:ctrlPr>
-                                      <a:rPr lang="en-CA" sz="2800" smtClean="0"/>
+                                      <a:rPr lang="en-CA" sz="2800" i="1" smtClean="0">
+                                        <a:latin typeface="Cambria Math" panose="02040503050406030204" pitchFamily="18" charset="0"/>
+                                      </a:rPr>
                                     </m:ctrlPr>
                                   </m:dPr>
                                   <m:e>
                                     <m:r>
-                                      <a:rPr lang="en-CA" sz="2800" smtClean="0"/>
+                                      <a:rPr lang="en-CA" sz="2800" smtClean="0">
+                                        <a:latin typeface="Cambria Math" panose="02040503050406030204" pitchFamily="18" charset="0"/>
+                                      </a:rPr>
                                       <m:t>𝒚</m:t>
                                     </m:r>
                                   </m:e>
                                 </m:d>
                                 <m:r>
-                                  <a:rPr lang="en-CA" sz="2800" smtClean="0"/>
+                                  <a:rPr lang="en-CA" sz="2800" smtClean="0">
+                                    <a:latin typeface="Cambria Math" panose="02040503050406030204" pitchFamily="18" charset="0"/>
+                                  </a:rPr>
                                   <m:t>= </m:t>
                                 </m:r>
                                 <m:r>
-                                  <a:rPr lang="en-CA" sz="2800" smtClean="0"/>
+                                  <a:rPr lang="en-CA" sz="2800" smtClean="0">
+                                    <a:latin typeface="Cambria Math" panose="02040503050406030204" pitchFamily="18" charset="0"/>
+                                  </a:rPr>
                                   <m:t>𝝈</m:t>
                                 </m:r>
                               </m:oMath>
@@ -21053,7 +21073,7 @@
             </a:graphic>
           </p:graphicFrame>
         </mc:Choice>
-        <mc:Fallback>
+        <mc:Fallback xmlns="">
           <p:graphicFrame>
             <p:nvGraphicFramePr>
               <p:cNvPr id="4" name="Table 3">

--- a/ppts/Topic 3 Key Components of (Generalized) Linear Models.pptx
+++ b/ppts/Topic 3 Key Components of (Generalized) Linear Models.pptx
@@ -378,7 +378,7 @@
           <a:p>
             <a:fld id="{F3A5C36C-4AD1-4368-83A4-9559EE6EF9BD}" type="datetimeFigureOut">
               <a:rPr lang="en-CA" smtClean="0"/>
-              <a:t>19/02/2018</a:t>
+              <a:t>2018-02-21</a:t>
             </a:fld>
             <a:endParaRPr lang="en-CA"/>
           </a:p>
@@ -562,7 +562,7 @@
           <a:p>
             <a:fld id="{F3A5C36C-4AD1-4368-83A4-9559EE6EF9BD}" type="datetimeFigureOut">
               <a:rPr lang="en-CA" smtClean="0"/>
-              <a:t>19/02/2018</a:t>
+              <a:t>2018-02-21</a:t>
             </a:fld>
             <a:endParaRPr lang="en-CA"/>
           </a:p>
@@ -752,7 +752,7 @@
           <a:p>
             <a:fld id="{F3A5C36C-4AD1-4368-83A4-9559EE6EF9BD}" type="datetimeFigureOut">
               <a:rPr lang="en-CA" smtClean="0"/>
-              <a:t>19/02/2018</a:t>
+              <a:t>2018-02-21</a:t>
             </a:fld>
             <a:endParaRPr lang="en-CA"/>
           </a:p>
@@ -932,7 +932,7 @@
           <a:p>
             <a:fld id="{F3A5C36C-4AD1-4368-83A4-9559EE6EF9BD}" type="datetimeFigureOut">
               <a:rPr lang="en-CA" smtClean="0"/>
-              <a:t>19/02/2018</a:t>
+              <a:t>2018-02-21</a:t>
             </a:fld>
             <a:endParaRPr lang="en-CA"/>
           </a:p>
@@ -1197,7 +1197,7 @@
           <a:p>
             <a:fld id="{F3A5C36C-4AD1-4368-83A4-9559EE6EF9BD}" type="datetimeFigureOut">
               <a:rPr lang="en-CA" smtClean="0"/>
-              <a:t>19/02/2018</a:t>
+              <a:t>2018-02-21</a:t>
             </a:fld>
             <a:endParaRPr lang="en-CA"/>
           </a:p>
@@ -1479,7 +1479,7 @@
           <a:p>
             <a:fld id="{F3A5C36C-4AD1-4368-83A4-9559EE6EF9BD}" type="datetimeFigureOut">
               <a:rPr lang="en-CA" smtClean="0"/>
-              <a:t>19/02/2018</a:t>
+              <a:t>2018-02-21</a:t>
             </a:fld>
             <a:endParaRPr lang="en-CA"/>
           </a:p>
@@ -1871,7 +1871,7 @@
           <a:p>
             <a:fld id="{F3A5C36C-4AD1-4368-83A4-9559EE6EF9BD}" type="datetimeFigureOut">
               <a:rPr lang="en-CA" smtClean="0"/>
-              <a:t>19/02/2018</a:t>
+              <a:t>2018-02-21</a:t>
             </a:fld>
             <a:endParaRPr lang="en-CA"/>
           </a:p>
@@ -2037,7 +2037,7 @@
           <a:p>
             <a:fld id="{F3A5C36C-4AD1-4368-83A4-9559EE6EF9BD}" type="datetimeFigureOut">
               <a:rPr lang="en-CA" smtClean="0"/>
-              <a:t>19/02/2018</a:t>
+              <a:t>2018-02-21</a:t>
             </a:fld>
             <a:endParaRPr lang="en-CA"/>
           </a:p>
@@ -2144,7 +2144,7 @@
           <a:p>
             <a:fld id="{F3A5C36C-4AD1-4368-83A4-9559EE6EF9BD}" type="datetimeFigureOut">
               <a:rPr lang="en-CA" smtClean="0"/>
-              <a:t>19/02/2018</a:t>
+              <a:t>2018-02-21</a:t>
             </a:fld>
             <a:endParaRPr lang="en-CA"/>
           </a:p>
@@ -2420,7 +2420,7 @@
           <a:p>
             <a:fld id="{F3A5C36C-4AD1-4368-83A4-9559EE6EF9BD}" type="datetimeFigureOut">
               <a:rPr lang="en-CA" smtClean="0"/>
-              <a:t>19/02/2018</a:t>
+              <a:t>2018-02-21</a:t>
             </a:fld>
             <a:endParaRPr lang="en-CA"/>
           </a:p>
@@ -3029,7 +3029,7 @@
           <a:p>
             <a:fld id="{F3A5C36C-4AD1-4368-83A4-9559EE6EF9BD}" type="datetimeFigureOut">
               <a:rPr lang="en-CA" smtClean="0"/>
-              <a:t>19/02/2018</a:t>
+              <a:t>2018-02-21</a:t>
             </a:fld>
             <a:endParaRPr lang="en-CA"/>
           </a:p>
@@ -3565,7 +3565,7 @@
           <a:p>
             <a:fld id="{F3A5C36C-4AD1-4368-83A4-9559EE6EF9BD}" type="datetimeFigureOut">
               <a:rPr lang="en-CA" smtClean="0"/>
-              <a:t>19/02/2018</a:t>
+              <a:t>2018-02-21</a:t>
             </a:fld>
             <a:endParaRPr lang="en-CA"/>
           </a:p>
@@ -4441,6 +4441,13 @@
   <p:clrMapOvr>
     <a:masterClrMapping/>
   </p:clrMapOvr>
+  <p:timing>
+    <p:tnLst>
+      <p:par>
+        <p:cTn id="1" dur="indefinite" restart="never" nodeType="tmRoot"/>
+      </p:par>
+    </p:tnLst>
+  </p:timing>
 </p:sld>
 </file>
 
@@ -4657,6 +4664,13 @@
   <p:clrMapOvr>
     <a:masterClrMapping/>
   </p:clrMapOvr>
+  <p:timing>
+    <p:tnLst>
+      <p:par>
+        <p:cTn id="1" dur="indefinite" restart="never" nodeType="tmRoot"/>
+      </p:par>
+    </p:tnLst>
+  </p:timing>
 </p:sld>
 </file>
 
@@ -5264,6 +5278,13 @@
   <p:clrMapOvr>
     <a:masterClrMapping/>
   </p:clrMapOvr>
+  <p:timing>
+    <p:tnLst>
+      <p:par>
+        <p:cTn id="1" dur="indefinite" restart="never" nodeType="tmRoot"/>
+      </p:par>
+    </p:tnLst>
+  </p:timing>
 </p:sld>
 </file>
 
@@ -5465,6 +5486,13 @@
   <p:clrMapOvr>
     <a:masterClrMapping/>
   </p:clrMapOvr>
+  <p:timing>
+    <p:tnLst>
+      <p:par>
+        <p:cTn id="1" dur="indefinite" restart="never" nodeType="tmRoot"/>
+      </p:par>
+    </p:tnLst>
+  </p:timing>
 </p:sld>
 </file>
 
@@ -5950,6 +5978,13 @@
   <p:clrMapOvr>
     <a:masterClrMapping/>
   </p:clrMapOvr>
+  <p:timing>
+    <p:tnLst>
+      <p:par>
+        <p:cTn id="1" dur="indefinite" restart="never" nodeType="tmRoot"/>
+      </p:par>
+    </p:tnLst>
+  </p:timing>
 </p:sld>
 </file>
 
@@ -6205,6 +6240,13 @@
   <p:clrMapOvr>
     <a:masterClrMapping/>
   </p:clrMapOvr>
+  <p:timing>
+    <p:tnLst>
+      <p:par>
+        <p:cTn id="1" dur="indefinite" restart="never" nodeType="tmRoot"/>
+      </p:par>
+    </p:tnLst>
+  </p:timing>
 </p:sld>
 </file>
 
@@ -6307,6 +6349,13 @@
   <p:clrMapOvr>
     <a:masterClrMapping/>
   </p:clrMapOvr>
+  <p:timing>
+    <p:tnLst>
+      <p:par>
+        <p:cTn id="1" dur="indefinite" restart="never" nodeType="tmRoot"/>
+      </p:par>
+    </p:tnLst>
+  </p:timing>
 </p:sld>
 </file>
 
@@ -6421,6 +6470,186 @@
   <p:clrMapOvr>
     <a:masterClrMapping/>
   </p:clrMapOvr>
+  <p:timing>
+    <p:tnLst>
+      <p:par>
+        <p:cTn id="1" dur="indefinite" restart="never" nodeType="tmRoot">
+          <p:childTnLst>
+            <p:seq concurrent="1" nextAc="seek">
+              <p:cTn id="2" dur="indefinite" nodeType="mainSeq">
+                <p:childTnLst>
+                  <p:par>
+                    <p:cTn id="3" fill="hold">
+                      <p:stCondLst>
+                        <p:cond delay="indefinite"/>
+                      </p:stCondLst>
+                      <p:childTnLst>
+                        <p:par>
+                          <p:cTn id="4" fill="hold">
+                            <p:stCondLst>
+                              <p:cond delay="0"/>
+                            </p:stCondLst>
+                            <p:childTnLst>
+                              <p:par>
+                                <p:cTn id="5" presetID="1" presetClass="entr" presetSubtype="0" fill="hold" grpId="0" nodeType="clickEffect">
+                                  <p:stCondLst>
+                                    <p:cond delay="0"/>
+                                  </p:stCondLst>
+                                  <p:childTnLst>
+                                    <p:set>
+                                      <p:cBhvr>
+                                        <p:cTn id="6" dur="1" fill="hold">
+                                          <p:stCondLst>
+                                            <p:cond delay="0"/>
+                                          </p:stCondLst>
+                                        </p:cTn>
+                                        <p:tgtEl>
+                                          <p:spTgt spid="3">
+                                            <p:txEl>
+                                              <p:pRg st="1" end="1"/>
+                                            </p:txEl>
+                                          </p:spTgt>
+                                        </p:tgtEl>
+                                        <p:attrNameLst>
+                                          <p:attrName>style.visibility</p:attrName>
+                                        </p:attrNameLst>
+                                      </p:cBhvr>
+                                      <p:to>
+                                        <p:strVal val="visible"/>
+                                      </p:to>
+                                    </p:set>
+                                  </p:childTnLst>
+                                </p:cTn>
+                              </p:par>
+                            </p:childTnLst>
+                          </p:cTn>
+                        </p:par>
+                      </p:childTnLst>
+                    </p:cTn>
+                  </p:par>
+                  <p:par>
+                    <p:cTn id="7" fill="hold">
+                      <p:stCondLst>
+                        <p:cond delay="indefinite"/>
+                      </p:stCondLst>
+                      <p:childTnLst>
+                        <p:par>
+                          <p:cTn id="8" fill="hold">
+                            <p:stCondLst>
+                              <p:cond delay="0"/>
+                            </p:stCondLst>
+                            <p:childTnLst>
+                              <p:par>
+                                <p:cTn id="9" presetID="1" presetClass="entr" presetSubtype="0" fill="hold" grpId="0" nodeType="clickEffect">
+                                  <p:stCondLst>
+                                    <p:cond delay="0"/>
+                                  </p:stCondLst>
+                                  <p:childTnLst>
+                                    <p:set>
+                                      <p:cBhvr>
+                                        <p:cTn id="10" dur="1" fill="hold">
+                                          <p:stCondLst>
+                                            <p:cond delay="0"/>
+                                          </p:stCondLst>
+                                        </p:cTn>
+                                        <p:tgtEl>
+                                          <p:spTgt spid="3">
+                                            <p:txEl>
+                                              <p:pRg st="2" end="2"/>
+                                            </p:txEl>
+                                          </p:spTgt>
+                                        </p:tgtEl>
+                                        <p:attrNameLst>
+                                          <p:attrName>style.visibility</p:attrName>
+                                        </p:attrNameLst>
+                                      </p:cBhvr>
+                                      <p:to>
+                                        <p:strVal val="visible"/>
+                                      </p:to>
+                                    </p:set>
+                                  </p:childTnLst>
+                                </p:cTn>
+                              </p:par>
+                            </p:childTnLst>
+                          </p:cTn>
+                        </p:par>
+                      </p:childTnLst>
+                    </p:cTn>
+                  </p:par>
+                  <p:par>
+                    <p:cTn id="11" fill="hold">
+                      <p:stCondLst>
+                        <p:cond delay="indefinite"/>
+                      </p:stCondLst>
+                      <p:childTnLst>
+                        <p:par>
+                          <p:cTn id="12" fill="hold">
+                            <p:stCondLst>
+                              <p:cond delay="0"/>
+                            </p:stCondLst>
+                            <p:childTnLst>
+                              <p:par>
+                                <p:cTn id="13" presetID="1" presetClass="entr" presetSubtype="0" fill="hold" grpId="0" nodeType="clickEffect">
+                                  <p:stCondLst>
+                                    <p:cond delay="0"/>
+                                  </p:stCondLst>
+                                  <p:childTnLst>
+                                    <p:set>
+                                      <p:cBhvr>
+                                        <p:cTn id="14" dur="1" fill="hold">
+                                          <p:stCondLst>
+                                            <p:cond delay="0"/>
+                                          </p:stCondLst>
+                                        </p:cTn>
+                                        <p:tgtEl>
+                                          <p:spTgt spid="3">
+                                            <p:txEl>
+                                              <p:pRg st="3" end="3"/>
+                                            </p:txEl>
+                                          </p:spTgt>
+                                        </p:tgtEl>
+                                        <p:attrNameLst>
+                                          <p:attrName>style.visibility</p:attrName>
+                                        </p:attrNameLst>
+                                      </p:cBhvr>
+                                      <p:to>
+                                        <p:strVal val="visible"/>
+                                      </p:to>
+                                    </p:set>
+                                  </p:childTnLst>
+                                </p:cTn>
+                              </p:par>
+                            </p:childTnLst>
+                          </p:cTn>
+                        </p:par>
+                      </p:childTnLst>
+                    </p:cTn>
+                  </p:par>
+                </p:childTnLst>
+              </p:cTn>
+              <p:prevCondLst>
+                <p:cond evt="onPrev" delay="0">
+                  <p:tgtEl>
+                    <p:sldTgt/>
+                  </p:tgtEl>
+                </p:cond>
+              </p:prevCondLst>
+              <p:nextCondLst>
+                <p:cond evt="onNext" delay="0">
+                  <p:tgtEl>
+                    <p:sldTgt/>
+                  </p:tgtEl>
+                </p:cond>
+              </p:nextCondLst>
+            </p:seq>
+          </p:childTnLst>
+        </p:cTn>
+      </p:par>
+    </p:tnLst>
+    <p:bldLst>
+      <p:bldP spid="3" grpId="0" uiExpand="1" build="p"/>
+    </p:bldLst>
+  </p:timing>
 </p:sld>
 </file>
 
@@ -6615,6 +6844,13 @@
   <p:clrMapOvr>
     <a:masterClrMapping/>
   </p:clrMapOvr>
+  <p:timing>
+    <p:tnLst>
+      <p:par>
+        <p:cTn id="1" dur="indefinite" restart="never" nodeType="tmRoot"/>
+      </p:par>
+    </p:tnLst>
+  </p:timing>
 </p:sld>
 </file>
 
@@ -6740,6 +6976,13 @@
   <p:clrMapOvr>
     <a:masterClrMapping/>
   </p:clrMapOvr>
+  <p:timing>
+    <p:tnLst>
+      <p:par>
+        <p:cTn id="1" dur="indefinite" restart="never" nodeType="tmRoot"/>
+      </p:par>
+    </p:tnLst>
+  </p:timing>
 </p:sld>
 </file>
 
@@ -17859,6 +18102,13 @@
   <p:clrMapOvr>
     <a:masterClrMapping/>
   </p:clrMapOvr>
+  <p:timing>
+    <p:tnLst>
+      <p:par>
+        <p:cTn id="1" dur="indefinite" restart="never" nodeType="tmRoot"/>
+      </p:par>
+    </p:tnLst>
+  </p:timing>
 </p:sld>
 </file>
 
@@ -21211,6 +21461,13 @@
   <p:clrMapOvr>
     <a:masterClrMapping/>
   </p:clrMapOvr>
+  <p:timing>
+    <p:tnLst>
+      <p:par>
+        <p:cTn id="1" dur="indefinite" restart="never" nodeType="tmRoot"/>
+      </p:par>
+    </p:tnLst>
+  </p:timing>
 </p:sld>
 </file>
 
@@ -21438,6 +21695,13 @@
   <p:clrMapOvr>
     <a:masterClrMapping/>
   </p:clrMapOvr>
+  <p:timing>
+    <p:tnLst>
+      <p:par>
+        <p:cTn id="1" dur="indefinite" restart="never" nodeType="tmRoot"/>
+      </p:par>
+    </p:tnLst>
+  </p:timing>
 </p:sld>
 </file>
 
@@ -21778,6 +22042,13 @@
   <p:clrMapOvr>
     <a:masterClrMapping/>
   </p:clrMapOvr>
+  <p:timing>
+    <p:tnLst>
+      <p:par>
+        <p:cTn id="1" dur="indefinite" restart="never" nodeType="tmRoot"/>
+      </p:par>
+    </p:tnLst>
+  </p:timing>
 </p:sld>
 </file>
 

--- a/ppts/Topic 3 Key Components of (Generalized) Linear Models.pptx
+++ b/ppts/Topic 3 Key Components of (Generalized) Linear Models.pptx
@@ -378,7 +378,7 @@
           <a:p>
             <a:fld id="{F3A5C36C-4AD1-4368-83A4-9559EE6EF9BD}" type="datetimeFigureOut">
               <a:rPr lang="en-CA" smtClean="0"/>
-              <a:t>2018-02-21</a:t>
+              <a:t>26/02/2018</a:t>
             </a:fld>
             <a:endParaRPr lang="en-CA"/>
           </a:p>
@@ -562,7 +562,7 @@
           <a:p>
             <a:fld id="{F3A5C36C-4AD1-4368-83A4-9559EE6EF9BD}" type="datetimeFigureOut">
               <a:rPr lang="en-CA" smtClean="0"/>
-              <a:t>2018-02-21</a:t>
+              <a:t>26/02/2018</a:t>
             </a:fld>
             <a:endParaRPr lang="en-CA"/>
           </a:p>
@@ -752,7 +752,7 @@
           <a:p>
             <a:fld id="{F3A5C36C-4AD1-4368-83A4-9559EE6EF9BD}" type="datetimeFigureOut">
               <a:rPr lang="en-CA" smtClean="0"/>
-              <a:t>2018-02-21</a:t>
+              <a:t>26/02/2018</a:t>
             </a:fld>
             <a:endParaRPr lang="en-CA"/>
           </a:p>
@@ -932,7 +932,7 @@
           <a:p>
             <a:fld id="{F3A5C36C-4AD1-4368-83A4-9559EE6EF9BD}" type="datetimeFigureOut">
               <a:rPr lang="en-CA" smtClean="0"/>
-              <a:t>2018-02-21</a:t>
+              <a:t>26/02/2018</a:t>
             </a:fld>
             <a:endParaRPr lang="en-CA"/>
           </a:p>
@@ -1197,7 +1197,7 @@
           <a:p>
             <a:fld id="{F3A5C36C-4AD1-4368-83A4-9559EE6EF9BD}" type="datetimeFigureOut">
               <a:rPr lang="en-CA" smtClean="0"/>
-              <a:t>2018-02-21</a:t>
+              <a:t>26/02/2018</a:t>
             </a:fld>
             <a:endParaRPr lang="en-CA"/>
           </a:p>
@@ -1479,7 +1479,7 @@
           <a:p>
             <a:fld id="{F3A5C36C-4AD1-4368-83A4-9559EE6EF9BD}" type="datetimeFigureOut">
               <a:rPr lang="en-CA" smtClean="0"/>
-              <a:t>2018-02-21</a:t>
+              <a:t>26/02/2018</a:t>
             </a:fld>
             <a:endParaRPr lang="en-CA"/>
           </a:p>
@@ -1871,7 +1871,7 @@
           <a:p>
             <a:fld id="{F3A5C36C-4AD1-4368-83A4-9559EE6EF9BD}" type="datetimeFigureOut">
               <a:rPr lang="en-CA" smtClean="0"/>
-              <a:t>2018-02-21</a:t>
+              <a:t>26/02/2018</a:t>
             </a:fld>
             <a:endParaRPr lang="en-CA"/>
           </a:p>
@@ -2037,7 +2037,7 @@
           <a:p>
             <a:fld id="{F3A5C36C-4AD1-4368-83A4-9559EE6EF9BD}" type="datetimeFigureOut">
               <a:rPr lang="en-CA" smtClean="0"/>
-              <a:t>2018-02-21</a:t>
+              <a:t>26/02/2018</a:t>
             </a:fld>
             <a:endParaRPr lang="en-CA"/>
           </a:p>
@@ -2144,7 +2144,7 @@
           <a:p>
             <a:fld id="{F3A5C36C-4AD1-4368-83A4-9559EE6EF9BD}" type="datetimeFigureOut">
               <a:rPr lang="en-CA" smtClean="0"/>
-              <a:t>2018-02-21</a:t>
+              <a:t>26/02/2018</a:t>
             </a:fld>
             <a:endParaRPr lang="en-CA"/>
           </a:p>
@@ -2420,7 +2420,7 @@
           <a:p>
             <a:fld id="{F3A5C36C-4AD1-4368-83A4-9559EE6EF9BD}" type="datetimeFigureOut">
               <a:rPr lang="en-CA" smtClean="0"/>
-              <a:t>2018-02-21</a:t>
+              <a:t>26/02/2018</a:t>
             </a:fld>
             <a:endParaRPr lang="en-CA"/>
           </a:p>
@@ -3029,7 +3029,7 @@
           <a:p>
             <a:fld id="{F3A5C36C-4AD1-4368-83A4-9559EE6EF9BD}" type="datetimeFigureOut">
               <a:rPr lang="en-CA" smtClean="0"/>
-              <a:t>2018-02-21</a:t>
+              <a:t>26/02/2018</a:t>
             </a:fld>
             <a:endParaRPr lang="en-CA"/>
           </a:p>
@@ -3565,7 +3565,7 @@
           <a:p>
             <a:fld id="{F3A5C36C-4AD1-4368-83A4-9559EE6EF9BD}" type="datetimeFigureOut">
               <a:rPr lang="en-CA" smtClean="0"/>
-              <a:t>2018-02-21</a:t>
+              <a:t>26/02/2018</a:t>
             </a:fld>
             <a:endParaRPr lang="en-CA"/>
           </a:p>
@@ -4441,13 +4441,6 @@
   <p:clrMapOvr>
     <a:masterClrMapping/>
   </p:clrMapOvr>
-  <p:timing>
-    <p:tnLst>
-      <p:par>
-        <p:cTn id="1" dur="indefinite" restart="never" nodeType="tmRoot"/>
-      </p:par>
-    </p:tnLst>
-  </p:timing>
 </p:sld>
 </file>
 
@@ -4664,13 +4657,6 @@
   <p:clrMapOvr>
     <a:masterClrMapping/>
   </p:clrMapOvr>
-  <p:timing>
-    <p:tnLst>
-      <p:par>
-        <p:cTn id="1" dur="indefinite" restart="never" nodeType="tmRoot"/>
-      </p:par>
-    </p:tnLst>
-  </p:timing>
 </p:sld>
 </file>
 
@@ -5278,13 +5264,6 @@
   <p:clrMapOvr>
     <a:masterClrMapping/>
   </p:clrMapOvr>
-  <p:timing>
-    <p:tnLst>
-      <p:par>
-        <p:cTn id="1" dur="indefinite" restart="never" nodeType="tmRoot"/>
-      </p:par>
-    </p:tnLst>
-  </p:timing>
 </p:sld>
 </file>
 
@@ -5486,13 +5465,6 @@
   <p:clrMapOvr>
     <a:masterClrMapping/>
   </p:clrMapOvr>
-  <p:timing>
-    <p:tnLst>
-      <p:par>
-        <p:cTn id="1" dur="indefinite" restart="never" nodeType="tmRoot"/>
-      </p:par>
-    </p:tnLst>
-  </p:timing>
 </p:sld>
 </file>
 
@@ -5978,13 +5950,6 @@
   <p:clrMapOvr>
     <a:masterClrMapping/>
   </p:clrMapOvr>
-  <p:timing>
-    <p:tnLst>
-      <p:par>
-        <p:cTn id="1" dur="indefinite" restart="never" nodeType="tmRoot"/>
-      </p:par>
-    </p:tnLst>
-  </p:timing>
 </p:sld>
 </file>
 
@@ -6240,13 +6205,6 @@
   <p:clrMapOvr>
     <a:masterClrMapping/>
   </p:clrMapOvr>
-  <p:timing>
-    <p:tnLst>
-      <p:par>
-        <p:cTn id="1" dur="indefinite" restart="never" nodeType="tmRoot"/>
-      </p:par>
-    </p:tnLst>
-  </p:timing>
 </p:sld>
 </file>
 
@@ -6349,13 +6307,6 @@
   <p:clrMapOvr>
     <a:masterClrMapping/>
   </p:clrMapOvr>
-  <p:timing>
-    <p:tnLst>
-      <p:par>
-        <p:cTn id="1" dur="indefinite" restart="never" nodeType="tmRoot"/>
-      </p:par>
-    </p:tnLst>
-  </p:timing>
 </p:sld>
 </file>
 
@@ -6844,13 +6795,6 @@
   <p:clrMapOvr>
     <a:masterClrMapping/>
   </p:clrMapOvr>
-  <p:timing>
-    <p:tnLst>
-      <p:par>
-        <p:cTn id="1" dur="indefinite" restart="never" nodeType="tmRoot"/>
-      </p:par>
-    </p:tnLst>
-  </p:timing>
 </p:sld>
 </file>
 
@@ -6976,13 +6920,6 @@
   <p:clrMapOvr>
     <a:masterClrMapping/>
   </p:clrMapOvr>
-  <p:timing>
-    <p:tnLst>
-      <p:par>
-        <p:cTn id="1" dur="indefinite" restart="never" nodeType="tmRoot"/>
-      </p:par>
-    </p:tnLst>
-  </p:timing>
 </p:sld>
 </file>
 
@@ -16359,8 +16296,8 @@
           </a:p>
         </p:txBody>
       </p:sp>
-      <mc:AlternateContent xmlns:mc="http://schemas.openxmlformats.org/markup-compatibility/2006" xmlns:a14="http://schemas.microsoft.com/office/drawing/2010/main">
-        <mc:Choice Requires="a14">
+      <mc:AlternateContent xmlns:mc="http://schemas.openxmlformats.org/markup-compatibility/2006">
+        <mc:Choice xmlns:a14="http://schemas.microsoft.com/office/drawing/2010/main" Requires="a14">
           <p:sp>
             <p:nvSpPr>
               <p:cNvPr id="3" name="Content Placeholder 2">
@@ -16389,11 +16326,11 @@
                 </a:pPr>
                 <a:r>
                   <a:rPr lang="en-CA" dirty="0"/>
-                  <a:t>lm(mass ~ region + </a:t>
+                  <a:t>lm(mass ~ pop + </a:t>
                 </a:r>
                 <a:r>
                   <a:rPr lang="en-CA" dirty="0" err="1"/>
-                  <a:t>hab</a:t>
+                  <a:t>svl</a:t>
                 </a:r>
                 <a:r>
                   <a:rPr lang="en-CA" dirty="0"/>
@@ -16926,7 +16863,7 @@
             </p:txBody>
           </p:sp>
         </mc:Choice>
-        <mc:Fallback xmlns="">
+        <mc:Fallback>
           <p:sp>
             <p:nvSpPr>
               <p:cNvPr id="3" name="Content Placeholder 2">
@@ -18102,13 +18039,6 @@
   <p:clrMapOvr>
     <a:masterClrMapping/>
   </p:clrMapOvr>
-  <p:timing>
-    <p:tnLst>
-      <p:par>
-        <p:cTn id="1" dur="indefinite" restart="never" nodeType="tmRoot"/>
-      </p:par>
-    </p:tnLst>
-  </p:timing>
 </p:sld>
 </file>
 
@@ -18159,8 +18089,8 @@
           </a:p>
         </p:txBody>
       </p:sp>
-      <mc:AlternateContent xmlns:mc="http://schemas.openxmlformats.org/markup-compatibility/2006" xmlns:a14="http://schemas.microsoft.com/office/drawing/2010/main">
-        <mc:Choice Requires="a14">
+      <mc:AlternateContent xmlns:mc="http://schemas.openxmlformats.org/markup-compatibility/2006">
+        <mc:Choice xmlns:a14="http://schemas.microsoft.com/office/drawing/2010/main" Requires="a14">
           <p:sp>
             <p:nvSpPr>
               <p:cNvPr id="3" name="Content Placeholder 2">
@@ -18194,11 +18124,11 @@
                 </a:pPr>
                 <a:r>
                   <a:rPr lang="en-CA" dirty="0"/>
-                  <a:t>lm(mass ~ region * </a:t>
+                  <a:t>lm(mass ~ pop * </a:t>
                 </a:r>
                 <a:r>
                   <a:rPr lang="en-CA" dirty="0" err="1"/>
-                  <a:t>hab</a:t>
+                  <a:t>svl</a:t>
                 </a:r>
                 <a:r>
                   <a:rPr lang="en-CA" dirty="0"/>
@@ -18903,7 +18833,7 @@
             </p:txBody>
           </p:sp>
         </mc:Choice>
-        <mc:Fallback xmlns="">
+        <mc:Fallback>
           <p:sp>
             <p:nvSpPr>
               <p:cNvPr id="3" name="Content Placeholder 2">
@@ -21461,13 +21391,6 @@
   <p:clrMapOvr>
     <a:masterClrMapping/>
   </p:clrMapOvr>
-  <p:timing>
-    <p:tnLst>
-      <p:par>
-        <p:cTn id="1" dur="indefinite" restart="never" nodeType="tmRoot"/>
-      </p:par>
-    </p:tnLst>
-  </p:timing>
 </p:sld>
 </file>
 
@@ -21695,13 +21618,6 @@
   <p:clrMapOvr>
     <a:masterClrMapping/>
   </p:clrMapOvr>
-  <p:timing>
-    <p:tnLst>
-      <p:par>
-        <p:cTn id="1" dur="indefinite" restart="never" nodeType="tmRoot"/>
-      </p:par>
-    </p:tnLst>
-  </p:timing>
 </p:sld>
 </file>
 
@@ -22042,13 +21958,6 @@
   <p:clrMapOvr>
     <a:masterClrMapping/>
   </p:clrMapOvr>
-  <p:timing>
-    <p:tnLst>
-      <p:par>
-        <p:cTn id="1" dur="indefinite" restart="never" nodeType="tmRoot"/>
-      </p:par>
-    </p:tnLst>
-  </p:timing>
 </p:sld>
 </file>
 
